--- a/FE_P4/Techie_0224.pptx
+++ b/FE_P4/Techie_0224.pptx
@@ -15,6 +15,11 @@
     <p:sldId id="263" r:id="rId9"/>
     <p:sldId id="264" r:id="rId10"/>
     <p:sldId id="265" r:id="rId11"/>
+    <p:sldId id="266" r:id="rId12"/>
+    <p:sldId id="267" r:id="rId13"/>
+    <p:sldId id="268" r:id="rId14"/>
+    <p:sldId id="269" r:id="rId15"/>
+    <p:sldId id="270" r:id="rId16"/>
   </p:sldIdLst>
   <p:sldSz cx="9144000" cy="6858000" type="screen4x3"/>
   <p:notesSz cx="6858000" cy="9144000"/>
@@ -297,7 +302,7 @@
           <a:p>
             <a:fld id="{3C092CCD-DFED-984F-BC64-F3955DBCBC7E}" type="datetimeFigureOut">
               <a:rPr lang="en-US" smtClean="0"/>
-              <a:t>2/17/16</a:t>
+              <a:t>2/21/16</a:t>
             </a:fld>
             <a:endParaRPr lang="en-US"/>
           </a:p>
@@ -467,7 +472,7 @@
           <a:p>
             <a:fld id="{3C092CCD-DFED-984F-BC64-F3955DBCBC7E}" type="datetimeFigureOut">
               <a:rPr lang="en-US" smtClean="0"/>
-              <a:t>2/17/16</a:t>
+              <a:t>2/21/16</a:t>
             </a:fld>
             <a:endParaRPr lang="en-US"/>
           </a:p>
@@ -647,7 +652,7 @@
           <a:p>
             <a:fld id="{3C092CCD-DFED-984F-BC64-F3955DBCBC7E}" type="datetimeFigureOut">
               <a:rPr lang="en-US" smtClean="0"/>
-              <a:t>2/17/16</a:t>
+              <a:t>2/21/16</a:t>
             </a:fld>
             <a:endParaRPr lang="en-US"/>
           </a:p>
@@ -817,7 +822,7 @@
           <a:p>
             <a:fld id="{3C092CCD-DFED-984F-BC64-F3955DBCBC7E}" type="datetimeFigureOut">
               <a:rPr lang="en-US" smtClean="0"/>
-              <a:t>2/17/16</a:t>
+              <a:t>2/21/16</a:t>
             </a:fld>
             <a:endParaRPr lang="en-US"/>
           </a:p>
@@ -1063,7 +1068,7 @@
           <a:p>
             <a:fld id="{3C092CCD-DFED-984F-BC64-F3955DBCBC7E}" type="datetimeFigureOut">
               <a:rPr lang="en-US" smtClean="0"/>
-              <a:t>2/17/16</a:t>
+              <a:t>2/21/16</a:t>
             </a:fld>
             <a:endParaRPr lang="en-US"/>
           </a:p>
@@ -1351,7 +1356,7 @@
           <a:p>
             <a:fld id="{3C092CCD-DFED-984F-BC64-F3955DBCBC7E}" type="datetimeFigureOut">
               <a:rPr lang="en-US" smtClean="0"/>
-              <a:t>2/17/16</a:t>
+              <a:t>2/21/16</a:t>
             </a:fld>
             <a:endParaRPr lang="en-US"/>
           </a:p>
@@ -1773,7 +1778,7 @@
           <a:p>
             <a:fld id="{3C092CCD-DFED-984F-BC64-F3955DBCBC7E}" type="datetimeFigureOut">
               <a:rPr lang="en-US" smtClean="0"/>
-              <a:t>2/17/16</a:t>
+              <a:t>2/21/16</a:t>
             </a:fld>
             <a:endParaRPr lang="en-US"/>
           </a:p>
@@ -1891,7 +1896,7 @@
           <a:p>
             <a:fld id="{3C092CCD-DFED-984F-BC64-F3955DBCBC7E}" type="datetimeFigureOut">
               <a:rPr lang="en-US" smtClean="0"/>
-              <a:t>2/17/16</a:t>
+              <a:t>2/21/16</a:t>
             </a:fld>
             <a:endParaRPr lang="en-US"/>
           </a:p>
@@ -1986,7 +1991,7 @@
           <a:p>
             <a:fld id="{3C092CCD-DFED-984F-BC64-F3955DBCBC7E}" type="datetimeFigureOut">
               <a:rPr lang="en-US" smtClean="0"/>
-              <a:t>2/17/16</a:t>
+              <a:t>2/21/16</a:t>
             </a:fld>
             <a:endParaRPr lang="en-US"/>
           </a:p>
@@ -2263,7 +2268,7 @@
           <a:p>
             <a:fld id="{3C092CCD-DFED-984F-BC64-F3955DBCBC7E}" type="datetimeFigureOut">
               <a:rPr lang="en-US" smtClean="0"/>
-              <a:t>2/17/16</a:t>
+              <a:t>2/21/16</a:t>
             </a:fld>
             <a:endParaRPr lang="en-US"/>
           </a:p>
@@ -2516,7 +2521,7 @@
           <a:p>
             <a:fld id="{3C092CCD-DFED-984F-BC64-F3955DBCBC7E}" type="datetimeFigureOut">
               <a:rPr lang="en-US" smtClean="0"/>
-              <a:t>2/17/16</a:t>
+              <a:t>2/21/16</a:t>
             </a:fld>
             <a:endParaRPr lang="en-US"/>
           </a:p>
@@ -2729,7 +2734,7 @@
           <a:p>
             <a:fld id="{3C092CCD-DFED-984F-BC64-F3955DBCBC7E}" type="datetimeFigureOut">
               <a:rPr lang="en-US" smtClean="0"/>
-              <a:t>2/17/16</a:t>
+              <a:t>2/21/16</a:t>
             </a:fld>
             <a:endParaRPr lang="en-US"/>
           </a:p>
@@ -3196,12 +3201,29 @@
         </p:nvSpPr>
         <p:spPr/>
         <p:txBody>
-          <a:bodyPr/>
+          <a:bodyPr>
+            <a:normAutofit fontScale="90000"/>
+          </a:bodyPr>
           <a:lstStyle/>
           <a:p>
             <a:r>
               <a:rPr lang="en-US" b="1" dirty="0" smtClean="0"/>
-              <a:t>Browser Rendering Optimization</a:t>
+              <a:t>Browser Rendering </a:t>
+            </a:r>
+            <a:r>
+              <a:rPr lang="en-US" b="1" dirty="0" smtClean="0"/>
+              <a:t>Optimization</a:t>
+            </a:r>
+            <a:br>
+              <a:rPr lang="en-US" b="1" dirty="0" smtClean="0"/>
+            </a:br>
+            <a:r>
+              <a:rPr lang="en-US" b="1" dirty="0"/>
+              <a:t> </a:t>
+            </a:r>
+            <a:r>
+              <a:rPr lang="en-US" b="1" dirty="0" smtClean="0"/>
+              <a:t>- lesson 1 The CRP</a:t>
             </a:r>
             <a:endParaRPr lang="en-US" b="1" dirty="0"/>
           </a:p>
@@ -3219,12 +3241,18 @@
         </p:nvSpPr>
         <p:spPr/>
         <p:txBody>
-          <a:bodyPr/>
-          <a:lstStyle/>
-          <a:p>
-            <a:r>
-              <a:rPr lang="en-US" dirty="0" smtClean="0"/>
-              <a:t>60 frames per second 60 Hz, 60 fps,</a:t>
+          <a:bodyPr>
+            <a:normAutofit fontScale="92500" lnSpcReduction="10000"/>
+          </a:bodyPr>
+          <a:lstStyle/>
+          <a:p>
+            <a:r>
+              <a:rPr lang="en-US" dirty="0" smtClean="0"/>
+              <a:t>Most devices refresh their screen 60 times per second, 60 </a:t>
+            </a:r>
+            <a:r>
+              <a:rPr lang="en-US" dirty="0" smtClean="0"/>
+              <a:t>frames per second 60 Hz, 60 fps,</a:t>
             </a:r>
           </a:p>
           <a:p>
@@ -3237,11 +3265,20 @@
             </a:r>
             <a:r>
               <a:rPr lang="en-US" dirty="0" smtClean="0"/>
-              <a:t>16.67ms/frame, 10ms/frame to avoid browser’s </a:t>
-            </a:r>
-            <a:r>
-              <a:rPr lang="en-US" smtClean="0"/>
-              <a:t>housekeeping work</a:t>
+              <a:t>16.67ms/frame, 10ms/frame to avoid browser’s housekeeping </a:t>
+            </a:r>
+            <a:r>
+              <a:rPr lang="en-US" dirty="0" smtClean="0"/>
+              <a:t>work</a:t>
+            </a:r>
+          </a:p>
+          <a:p>
+            <a:pPr marL="0" indent="0">
+              <a:buNone/>
+            </a:pPr>
+            <a:r>
+              <a:rPr lang="en-US" dirty="0" smtClean="0"/>
+              <a:t>The browser makes a get request to the server.</a:t>
             </a:r>
             <a:endParaRPr lang="en-US" dirty="0" smtClean="0"/>
           </a:p>
@@ -3262,8 +3299,19 @@
           <a:p>
             <a:r>
               <a:rPr lang="en-US" dirty="0" smtClean="0"/>
-              <a:t>What goes into one frame?</a:t>
-            </a:r>
+              <a:t>What goes into one frame</a:t>
+            </a:r>
+            <a:r>
+              <a:rPr lang="en-US" dirty="0" smtClean="0"/>
+              <a:t>?</a:t>
+            </a:r>
+          </a:p>
+          <a:p>
+            <a:r>
+              <a:rPr lang="en-US" dirty="0" smtClean="0"/>
+              <a:t>Vector image being rasterized into : image decode</a:t>
+            </a:r>
+            <a:endParaRPr lang="en-US" dirty="0" smtClean="0"/>
           </a:p>
           <a:p>
             <a:endParaRPr lang="en-US" dirty="0"/>
@@ -3274,6 +3322,839 @@
     <p:extLst>
       <p:ext uri="{BB962C8B-B14F-4D97-AF65-F5344CB8AC3E}">
         <p14:creationId xmlns:p14="http://schemas.microsoft.com/office/powerpoint/2010/main" val="1595286140"/>
+      </p:ext>
+    </p:extLst>
+  </p:cSld>
+  <p:clrMapOvr>
+    <a:masterClrMapping/>
+  </p:clrMapOvr>
+</p:sld>
+</file>
+
+<file path=ppt/slides/slide11.xml><?xml version="1.0" encoding="utf-8"?>
+<p:sld xmlns:a="http://schemas.openxmlformats.org/drawingml/2006/main" xmlns:r="http://schemas.openxmlformats.org/officeDocument/2006/relationships" xmlns:p="http://schemas.openxmlformats.org/presentationml/2006/main">
+  <p:cSld>
+    <p:spTree>
+      <p:nvGrpSpPr>
+        <p:cNvPr id="1" name=""/>
+        <p:cNvGrpSpPr/>
+        <p:nvPr/>
+      </p:nvGrpSpPr>
+      <p:grpSpPr>
+        <a:xfrm>
+          <a:off x="0" y="0"/>
+          <a:ext cx="0" cy="0"/>
+          <a:chOff x="0" y="0"/>
+          <a:chExt cx="0" cy="0"/>
+        </a:xfrm>
+      </p:grpSpPr>
+      <p:sp>
+        <p:nvSpPr>
+          <p:cNvPr id="2" name="Title 1"/>
+          <p:cNvSpPr>
+            <a:spLocks noGrp="1"/>
+          </p:cNvSpPr>
+          <p:nvPr>
+            <p:ph type="title"/>
+          </p:nvPr>
+        </p:nvSpPr>
+        <p:spPr/>
+        <p:txBody>
+          <a:bodyPr>
+            <a:normAutofit fontScale="90000"/>
+          </a:bodyPr>
+          <a:lstStyle/>
+          <a:p>
+            <a:r>
+              <a:rPr lang="en-US" dirty="0" smtClean="0"/>
+              <a:t>Three ways the pipeline normally plays out for given frame</a:t>
+            </a:r>
+            <a:endParaRPr lang="en-US" dirty="0"/>
+          </a:p>
+        </p:txBody>
+      </p:sp>
+      <p:sp>
+        <p:nvSpPr>
+          <p:cNvPr id="3" name="Content Placeholder 2"/>
+          <p:cNvSpPr>
+            <a:spLocks noGrp="1"/>
+          </p:cNvSpPr>
+          <p:nvPr>
+            <p:ph idx="1"/>
+          </p:nvPr>
+        </p:nvSpPr>
+        <p:spPr>
+          <a:xfrm>
+            <a:off x="457200" y="2494505"/>
+            <a:ext cx="8229600" cy="3631658"/>
+          </a:xfrm>
+        </p:spPr>
+        <p:txBody>
+          <a:bodyPr>
+            <a:normAutofit fontScale="92500" lnSpcReduction="20000"/>
+          </a:bodyPr>
+          <a:lstStyle/>
+          <a:p>
+            <a:pPr marL="514350" indent="-514350">
+              <a:buAutoNum type="arabicPeriod"/>
+            </a:pPr>
+            <a:r>
+              <a:rPr lang="en-US" dirty="0" smtClean="0"/>
+              <a:t>Visual change in JS, Style, layout, Paint and composite</a:t>
+            </a:r>
+          </a:p>
+          <a:p>
+            <a:pPr marL="514350" indent="-514350">
+              <a:buAutoNum type="arabicPeriod"/>
+            </a:pPr>
+            <a:r>
+              <a:rPr lang="en-US" dirty="0" smtClean="0"/>
+              <a:t>Paint-only: background </a:t>
+            </a:r>
+            <a:r>
+              <a:rPr lang="en-US" dirty="0" err="1" smtClean="0"/>
+              <a:t>img</a:t>
+            </a:r>
+            <a:r>
+              <a:rPr lang="en-US" dirty="0" smtClean="0"/>
+              <a:t>, color. JS, Style, Paint and composite</a:t>
+            </a:r>
+          </a:p>
+          <a:p>
+            <a:pPr marL="514350" indent="-514350">
+              <a:buAutoNum type="arabicPeriod"/>
+            </a:pPr>
+            <a:r>
+              <a:rPr lang="en-US" dirty="0" smtClean="0"/>
+              <a:t>Just composite: </a:t>
+            </a:r>
+            <a:r>
+              <a:rPr lang="en-US" dirty="0" err="1" smtClean="0"/>
+              <a:t>Js</a:t>
+            </a:r>
+            <a:r>
+              <a:rPr lang="en-US" dirty="0" smtClean="0"/>
+              <a:t>, Style and Composite</a:t>
+            </a:r>
+          </a:p>
+          <a:p>
+            <a:pPr marL="0" indent="0">
+              <a:buNone/>
+            </a:pPr>
+            <a:r>
+              <a:rPr lang="en-US" dirty="0" smtClean="0"/>
+              <a:t>A web reference – </a:t>
+            </a:r>
+            <a:r>
+              <a:rPr lang="en-US" dirty="0" err="1" smtClean="0"/>
+              <a:t>css</a:t>
+            </a:r>
+            <a:r>
+              <a:rPr lang="en-US" dirty="0" smtClean="0"/>
+              <a:t> change associate to which process in the pipeline</a:t>
+            </a:r>
+          </a:p>
+          <a:p>
+            <a:pPr marL="0" indent="0">
+              <a:buNone/>
+            </a:pPr>
+            <a:r>
+              <a:rPr lang="en-US" dirty="0"/>
+              <a:t>http://</a:t>
+            </a:r>
+            <a:r>
+              <a:rPr lang="en-US" dirty="0" err="1"/>
+              <a:t>csstriggers.com</a:t>
+            </a:r>
+            <a:endParaRPr lang="en-US" dirty="0"/>
+          </a:p>
+        </p:txBody>
+      </p:sp>
+      <p:pic>
+        <p:nvPicPr>
+          <p:cNvPr id="4" name="Picture 3"/>
+          <p:cNvPicPr>
+            <a:picLocks noChangeAspect="1"/>
+          </p:cNvPicPr>
+          <p:nvPr/>
+        </p:nvPicPr>
+        <p:blipFill>
+          <a:blip r:embed="rId2"/>
+          <a:stretch>
+            <a:fillRect/>
+          </a:stretch>
+        </p:blipFill>
+        <p:spPr>
+          <a:xfrm>
+            <a:off x="3897446" y="1626962"/>
+            <a:ext cx="5031279" cy="629290"/>
+          </a:xfrm>
+          <a:prstGeom prst="rect">
+            <a:avLst/>
+          </a:prstGeom>
+        </p:spPr>
+      </p:pic>
+    </p:spTree>
+    <p:extLst>
+      <p:ext uri="{BB962C8B-B14F-4D97-AF65-F5344CB8AC3E}">
+        <p14:creationId xmlns:p14="http://schemas.microsoft.com/office/powerpoint/2010/main" val="1916760154"/>
+      </p:ext>
+    </p:extLst>
+  </p:cSld>
+  <p:clrMapOvr>
+    <a:masterClrMapping/>
+  </p:clrMapOvr>
+</p:sld>
+</file>
+
+<file path=ppt/slides/slide12.xml><?xml version="1.0" encoding="utf-8"?>
+<p:sld xmlns:a="http://schemas.openxmlformats.org/drawingml/2006/main" xmlns:r="http://schemas.openxmlformats.org/officeDocument/2006/relationships" xmlns:p="http://schemas.openxmlformats.org/presentationml/2006/main">
+  <p:cSld>
+    <p:spTree>
+      <p:nvGrpSpPr>
+        <p:cNvPr id="1" name=""/>
+        <p:cNvGrpSpPr/>
+        <p:nvPr/>
+      </p:nvGrpSpPr>
+      <p:grpSpPr>
+        <a:xfrm>
+          <a:off x="0" y="0"/>
+          <a:ext cx="0" cy="0"/>
+          <a:chOff x="0" y="0"/>
+          <a:chExt cx="0" cy="0"/>
+        </a:xfrm>
+      </p:grpSpPr>
+      <p:sp>
+        <p:nvSpPr>
+          <p:cNvPr id="3" name="Content Placeholder 2"/>
+          <p:cNvSpPr>
+            <a:spLocks noGrp="1"/>
+          </p:cNvSpPr>
+          <p:nvPr>
+            <p:ph idx="1"/>
+          </p:nvPr>
+        </p:nvSpPr>
+        <p:spPr/>
+        <p:txBody>
+          <a:bodyPr>
+            <a:normAutofit/>
+          </a:bodyPr>
+          <a:lstStyle/>
+          <a:p>
+            <a:r>
+              <a:rPr lang="en-US" sz="2400" dirty="0" smtClean="0"/>
+              <a:t>Is it necessary to maintain 60fps?  </a:t>
+            </a:r>
+            <a:r>
+              <a:rPr lang="en-US" sz="2400" dirty="0"/>
+              <a:t>RAIL &lt;-&gt; LAIR</a:t>
+            </a:r>
+          </a:p>
+          <a:p>
+            <a:pPr marL="0" indent="0">
+              <a:buNone/>
+            </a:pPr>
+            <a:r>
+              <a:rPr lang="en-US" sz="2400" dirty="0"/>
+              <a:t>	</a:t>
+            </a:r>
+            <a:r>
+              <a:rPr lang="en-US" sz="2400" dirty="0" smtClean="0"/>
+              <a:t>Response[1s] </a:t>
+            </a:r>
+          </a:p>
+          <a:p>
+            <a:pPr marL="0" indent="0">
+              <a:buNone/>
+            </a:pPr>
+            <a:r>
+              <a:rPr lang="en-US" sz="2400" dirty="0"/>
+              <a:t> </a:t>
+            </a:r>
+            <a:r>
+              <a:rPr lang="en-US" sz="2400" dirty="0" smtClean="0"/>
+              <a:t>      </a:t>
+            </a:r>
+            <a:r>
+              <a:rPr lang="en-US" sz="2400" b="1" dirty="0" smtClean="0">
+                <a:solidFill>
+                  <a:schemeClr val="accent6">
+                    <a:lumMod val="75000"/>
+                  </a:schemeClr>
+                </a:solidFill>
+              </a:rPr>
+              <a:t>Animate[10-12ms] </a:t>
+            </a:r>
+          </a:p>
+          <a:p>
+            <a:pPr marL="0" indent="0">
+              <a:buNone/>
+            </a:pPr>
+            <a:r>
+              <a:rPr lang="en-US" sz="2400" dirty="0"/>
+              <a:t>	</a:t>
+            </a:r>
+            <a:r>
+              <a:rPr lang="en-US" sz="2400" dirty="0" smtClean="0"/>
+              <a:t> Idle [</a:t>
+            </a:r>
+            <a:r>
+              <a:rPr lang="en-US" sz="2400" dirty="0"/>
+              <a:t>50ms]</a:t>
+            </a:r>
+            <a:r>
+              <a:rPr lang="en-US" sz="2400" dirty="0" smtClean="0"/>
+              <a:t>   </a:t>
+            </a:r>
+          </a:p>
+          <a:p>
+            <a:pPr marL="0" indent="0">
+              <a:buNone/>
+            </a:pPr>
+            <a:r>
+              <a:rPr lang="en-US" sz="2400" dirty="0"/>
+              <a:t> </a:t>
+            </a:r>
+            <a:r>
+              <a:rPr lang="en-US" sz="2400" dirty="0" smtClean="0"/>
+              <a:t>      Load[100ms]</a:t>
+            </a:r>
+          </a:p>
+          <a:p>
+            <a:pPr marL="0" indent="0">
+              <a:buNone/>
+            </a:pPr>
+            <a:r>
+              <a:rPr lang="en-US" sz="2400" dirty="0" smtClean="0"/>
+              <a:t>How to take advantage of Idle time when users are reading the webpage? Which tasks should you handle during the post-load idle state? This is a great time to load any assets you think your users might access later. [ </a:t>
+            </a:r>
+            <a:r>
+              <a:rPr lang="en-US" sz="2400" dirty="0" smtClean="0">
+                <a:solidFill>
+                  <a:schemeClr val="accent3">
+                    <a:lumMod val="75000"/>
+                  </a:schemeClr>
+                </a:solidFill>
+              </a:rPr>
+              <a:t>Image Assets, Videos, Comments sections</a:t>
+            </a:r>
+            <a:r>
+              <a:rPr lang="en-US" sz="2400" dirty="0" smtClean="0"/>
+              <a:t>, rather than </a:t>
+            </a:r>
+            <a:r>
+              <a:rPr lang="en-US" sz="2400" dirty="0" smtClean="0">
+                <a:solidFill>
+                  <a:srgbClr val="FF0000"/>
+                </a:solidFill>
+              </a:rPr>
+              <a:t>News Texts and Basic, critical functionality</a:t>
+            </a:r>
+            <a:r>
+              <a:rPr lang="en-US" sz="2400" dirty="0" smtClean="0"/>
+              <a:t>]</a:t>
+            </a:r>
+            <a:endParaRPr lang="en-US" sz="2400" dirty="0"/>
+          </a:p>
+        </p:txBody>
+      </p:sp>
+      <p:sp>
+        <p:nvSpPr>
+          <p:cNvPr id="4" name="Title 1"/>
+          <p:cNvSpPr>
+            <a:spLocks noGrp="1"/>
+          </p:cNvSpPr>
+          <p:nvPr>
+            <p:ph type="title"/>
+          </p:nvPr>
+        </p:nvSpPr>
+        <p:spPr/>
+        <p:txBody>
+          <a:bodyPr>
+            <a:normAutofit fontScale="90000"/>
+          </a:bodyPr>
+          <a:lstStyle/>
+          <a:p>
+            <a:r>
+              <a:rPr lang="en-US" b="1" dirty="0" smtClean="0"/>
+              <a:t>Browser Rendering </a:t>
+            </a:r>
+            <a:r>
+              <a:rPr lang="en-US" b="1" dirty="0" smtClean="0"/>
+              <a:t>Optimization</a:t>
+            </a:r>
+            <a:br>
+              <a:rPr lang="en-US" b="1" dirty="0" smtClean="0"/>
+            </a:br>
+            <a:r>
+              <a:rPr lang="en-US" b="1" dirty="0"/>
+              <a:t> </a:t>
+            </a:r>
+            <a:r>
+              <a:rPr lang="en-US" b="1" dirty="0" smtClean="0"/>
+              <a:t>- lesson 2 App Lifecycles</a:t>
+            </a:r>
+            <a:endParaRPr lang="en-US" b="1" dirty="0"/>
+          </a:p>
+        </p:txBody>
+      </p:sp>
+    </p:spTree>
+    <p:extLst>
+      <p:ext uri="{BB962C8B-B14F-4D97-AF65-F5344CB8AC3E}">
+        <p14:creationId xmlns:p14="http://schemas.microsoft.com/office/powerpoint/2010/main" val="1832591543"/>
+      </p:ext>
+    </p:extLst>
+  </p:cSld>
+  <p:clrMapOvr>
+    <a:masterClrMapping/>
+  </p:clrMapOvr>
+</p:sld>
+</file>
+
+<file path=ppt/slides/slide13.xml><?xml version="1.0" encoding="utf-8"?>
+<p:sld xmlns:a="http://schemas.openxmlformats.org/drawingml/2006/main" xmlns:r="http://schemas.openxmlformats.org/officeDocument/2006/relationships" xmlns:p="http://schemas.openxmlformats.org/presentationml/2006/main">
+  <p:cSld>
+    <p:spTree>
+      <p:nvGrpSpPr>
+        <p:cNvPr id="1" name=""/>
+        <p:cNvGrpSpPr/>
+        <p:nvPr/>
+      </p:nvGrpSpPr>
+      <p:grpSpPr>
+        <a:xfrm>
+          <a:off x="0" y="0"/>
+          <a:ext cx="0" cy="0"/>
+          <a:chOff x="0" y="0"/>
+          <a:chExt cx="0" cy="0"/>
+        </a:xfrm>
+      </p:grpSpPr>
+      <p:sp>
+        <p:nvSpPr>
+          <p:cNvPr id="2" name="Title 1"/>
+          <p:cNvSpPr>
+            <a:spLocks noGrp="1"/>
+          </p:cNvSpPr>
+          <p:nvPr>
+            <p:ph type="title"/>
+          </p:nvPr>
+        </p:nvSpPr>
+        <p:spPr/>
+        <p:txBody>
+          <a:bodyPr/>
+          <a:lstStyle/>
+          <a:p>
+            <a:r>
+              <a:rPr lang="en-US" dirty="0" smtClean="0"/>
+              <a:t>Thinking #</a:t>
+            </a:r>
+            <a:r>
+              <a:rPr lang="en-US" dirty="0" err="1" smtClean="0"/>
+              <a:t>perfmatters</a:t>
+            </a:r>
+            <a:r>
+              <a:rPr lang="en-US" dirty="0" smtClean="0"/>
+              <a:t>!</a:t>
+            </a:r>
+            <a:endParaRPr lang="en-US" dirty="0"/>
+          </a:p>
+        </p:txBody>
+      </p:sp>
+      <p:sp>
+        <p:nvSpPr>
+          <p:cNvPr id="3" name="Content Placeholder 2"/>
+          <p:cNvSpPr>
+            <a:spLocks noGrp="1"/>
+          </p:cNvSpPr>
+          <p:nvPr>
+            <p:ph idx="1"/>
+          </p:nvPr>
+        </p:nvSpPr>
+        <p:spPr/>
+        <p:txBody>
+          <a:bodyPr/>
+          <a:lstStyle/>
+          <a:p>
+            <a:r>
+              <a:rPr lang="en-US" dirty="0" smtClean="0"/>
+              <a:t>In the 50ms post-load idle phase, what tasks can you accomplish?</a:t>
+            </a:r>
+          </a:p>
+          <a:p>
+            <a:pPr lvl="1"/>
+            <a:r>
+              <a:rPr lang="en-US" dirty="0" smtClean="0"/>
+              <a:t>FLIPING UI animations</a:t>
+            </a:r>
+          </a:p>
+          <a:p>
+            <a:pPr lvl="1"/>
+            <a:r>
+              <a:rPr lang="en-US" dirty="0" smtClean="0"/>
+              <a:t>Starting below-the-fold </a:t>
+            </a:r>
+            <a:r>
+              <a:rPr lang="en-US" dirty="0" err="1" smtClean="0"/>
+              <a:t>async</a:t>
+            </a:r>
+            <a:r>
+              <a:rPr lang="en-US" dirty="0" smtClean="0"/>
+              <a:t> requests</a:t>
+            </a:r>
+          </a:p>
+          <a:p>
+            <a:pPr lvl="1"/>
+            <a:r>
+              <a:rPr lang="en-US" dirty="0" smtClean="0"/>
+              <a:t>Fetching images for below-the-fold content</a:t>
+            </a:r>
+          </a:p>
+        </p:txBody>
+      </p:sp>
+    </p:spTree>
+    <p:extLst>
+      <p:ext uri="{BB962C8B-B14F-4D97-AF65-F5344CB8AC3E}">
+        <p14:creationId xmlns:p14="http://schemas.microsoft.com/office/powerpoint/2010/main" val="1209643670"/>
+      </p:ext>
+    </p:extLst>
+  </p:cSld>
+  <p:clrMapOvr>
+    <a:masterClrMapping/>
+  </p:clrMapOvr>
+</p:sld>
+</file>
+
+<file path=ppt/slides/slide14.xml><?xml version="1.0" encoding="utf-8"?>
+<p:sld xmlns:a="http://schemas.openxmlformats.org/drawingml/2006/main" xmlns:r="http://schemas.openxmlformats.org/officeDocument/2006/relationships" xmlns:p="http://schemas.openxmlformats.org/presentationml/2006/main">
+  <p:cSld>
+    <p:spTree>
+      <p:nvGrpSpPr>
+        <p:cNvPr id="1" name=""/>
+        <p:cNvGrpSpPr/>
+        <p:nvPr/>
+      </p:nvGrpSpPr>
+      <p:grpSpPr>
+        <a:xfrm>
+          <a:off x="0" y="0"/>
+          <a:ext cx="0" cy="0"/>
+          <a:chOff x="0" y="0"/>
+          <a:chExt cx="0" cy="0"/>
+        </a:xfrm>
+      </p:grpSpPr>
+      <p:sp>
+        <p:nvSpPr>
+          <p:cNvPr id="3" name="Content Placeholder 2"/>
+          <p:cNvSpPr>
+            <a:spLocks noGrp="1"/>
+          </p:cNvSpPr>
+          <p:nvPr>
+            <p:ph idx="1"/>
+          </p:nvPr>
+        </p:nvSpPr>
+        <p:spPr/>
+        <p:txBody>
+          <a:bodyPr>
+            <a:normAutofit lnSpcReduction="10000"/>
+          </a:bodyPr>
+          <a:lstStyle/>
+          <a:p>
+            <a:r>
+              <a:rPr lang="en-US" dirty="0" smtClean="0"/>
+              <a:t>Chrome </a:t>
+            </a:r>
+            <a:r>
+              <a:rPr lang="en-US" dirty="0" err="1" smtClean="0"/>
+              <a:t>Dev</a:t>
+            </a:r>
+            <a:r>
+              <a:rPr lang="en-US" dirty="0" smtClean="0"/>
+              <a:t> Tool – Timeline</a:t>
+            </a:r>
+          </a:p>
+          <a:p>
+            <a:r>
+              <a:rPr lang="en-US" dirty="0" smtClean="0"/>
+              <a:t>Test on various devices</a:t>
+            </a:r>
+          </a:p>
+          <a:p>
+            <a:pPr marL="0" indent="0">
+              <a:buNone/>
+            </a:pPr>
+            <a:endParaRPr lang="en-US" dirty="0" smtClean="0"/>
+          </a:p>
+          <a:p>
+            <a:r>
+              <a:rPr lang="en-US" dirty="0" smtClean="0"/>
+              <a:t>Quit other apps</a:t>
+            </a:r>
+          </a:p>
+          <a:p>
+            <a:r>
+              <a:rPr lang="en-US" dirty="0" smtClean="0"/>
+              <a:t>Go incognito</a:t>
+            </a:r>
+          </a:p>
+          <a:p>
+            <a:r>
+              <a:rPr lang="en-US" dirty="0" smtClean="0"/>
+              <a:t>Focus on the </a:t>
+            </a:r>
+            <a:r>
+              <a:rPr lang="en-US" dirty="0" err="1" smtClean="0"/>
+              <a:t>cuase</a:t>
+            </a:r>
+            <a:r>
+              <a:rPr lang="en-US" dirty="0" smtClean="0"/>
+              <a:t> of bottlenecks, not symptoms</a:t>
+            </a:r>
+          </a:p>
+          <a:p>
+            <a:r>
+              <a:rPr lang="en-US" dirty="0" smtClean="0"/>
+              <a:t>Measure first, then optimize</a:t>
+            </a:r>
+            <a:endParaRPr lang="en-US" dirty="0"/>
+          </a:p>
+        </p:txBody>
+      </p:sp>
+      <p:sp>
+        <p:nvSpPr>
+          <p:cNvPr id="4" name="Title 1"/>
+          <p:cNvSpPr>
+            <a:spLocks noGrp="1"/>
+          </p:cNvSpPr>
+          <p:nvPr>
+            <p:ph type="title"/>
+          </p:nvPr>
+        </p:nvSpPr>
+        <p:spPr/>
+        <p:txBody>
+          <a:bodyPr>
+            <a:noAutofit/>
+          </a:bodyPr>
+          <a:lstStyle/>
+          <a:p>
+            <a:r>
+              <a:rPr lang="en-US" sz="3600" b="1" dirty="0" smtClean="0"/>
+              <a:t>Browser Rendering </a:t>
+            </a:r>
+            <a:r>
+              <a:rPr lang="en-US" sz="3600" b="1" dirty="0" smtClean="0"/>
+              <a:t>Optimization</a:t>
+            </a:r>
+            <a:br>
+              <a:rPr lang="en-US" sz="3600" b="1" dirty="0" smtClean="0"/>
+            </a:br>
+            <a:r>
+              <a:rPr lang="en-US" sz="3600" b="1" dirty="0"/>
+              <a:t> </a:t>
+            </a:r>
+            <a:r>
+              <a:rPr lang="en-US" sz="3600" b="1" dirty="0" smtClean="0"/>
+              <a:t>- lesson 3 Weapons of </a:t>
+            </a:r>
+            <a:r>
+              <a:rPr lang="en-US" sz="3600" b="1" dirty="0" err="1" smtClean="0"/>
+              <a:t>Jank</a:t>
+            </a:r>
+            <a:r>
+              <a:rPr lang="en-US" sz="3600" b="1" dirty="0" smtClean="0"/>
+              <a:t> Destruction</a:t>
+            </a:r>
+            <a:endParaRPr lang="en-US" sz="3600" b="1" dirty="0"/>
+          </a:p>
+        </p:txBody>
+      </p:sp>
+    </p:spTree>
+    <p:extLst>
+      <p:ext uri="{BB962C8B-B14F-4D97-AF65-F5344CB8AC3E}">
+        <p14:creationId xmlns:p14="http://schemas.microsoft.com/office/powerpoint/2010/main" val="2166710334"/>
+      </p:ext>
+    </p:extLst>
+  </p:cSld>
+  <p:clrMapOvr>
+    <a:masterClrMapping/>
+  </p:clrMapOvr>
+</p:sld>
+</file>
+
+<file path=ppt/slides/slide15.xml><?xml version="1.0" encoding="utf-8"?>
+<p:sld xmlns:a="http://schemas.openxmlformats.org/drawingml/2006/main" xmlns:r="http://schemas.openxmlformats.org/officeDocument/2006/relationships" xmlns:p="http://schemas.openxmlformats.org/presentationml/2006/main">
+  <p:cSld>
+    <p:spTree>
+      <p:nvGrpSpPr>
+        <p:cNvPr id="1" name=""/>
+        <p:cNvGrpSpPr/>
+        <p:nvPr/>
+      </p:nvGrpSpPr>
+      <p:grpSpPr>
+        <a:xfrm>
+          <a:off x="0" y="0"/>
+          <a:ext cx="0" cy="0"/>
+          <a:chOff x="0" y="0"/>
+          <a:chExt cx="0" cy="0"/>
+        </a:xfrm>
+      </p:grpSpPr>
+      <p:sp>
+        <p:nvSpPr>
+          <p:cNvPr id="3" name="Content Placeholder 2"/>
+          <p:cNvSpPr>
+            <a:spLocks noGrp="1"/>
+          </p:cNvSpPr>
+          <p:nvPr>
+            <p:ph idx="1"/>
+          </p:nvPr>
+        </p:nvSpPr>
+        <p:spPr/>
+        <p:txBody>
+          <a:bodyPr>
+            <a:normAutofit fontScale="92500"/>
+          </a:bodyPr>
+          <a:lstStyle/>
+          <a:p>
+            <a:r>
+              <a:rPr lang="en-US" dirty="0" err="1" smtClean="0"/>
+              <a:t>Javascript</a:t>
+            </a:r>
+            <a:r>
+              <a:rPr lang="en-US" dirty="0" smtClean="0"/>
+              <a:t> Compiler: Just In Time compiler (JIT) very complicated engine. </a:t>
+            </a:r>
+          </a:p>
+          <a:p>
+            <a:r>
+              <a:rPr lang="en-US" dirty="0" smtClean="0"/>
+              <a:t>Micro-optimizations: for loop or while loop[don’t delve into this] you can do plenty of other things</a:t>
+            </a:r>
+          </a:p>
+          <a:p>
+            <a:r>
+              <a:rPr lang="en-US" dirty="0"/>
+              <a:t>RAIL [ 100ms, 10ms, 50ms, 1000ms]</a:t>
+            </a:r>
+          </a:p>
+          <a:p>
+            <a:r>
+              <a:rPr lang="en-US" dirty="0" err="1" smtClean="0"/>
+              <a:t>requestAnimationFrame</a:t>
+            </a:r>
+            <a:r>
+              <a:rPr lang="en-US" dirty="0"/>
+              <a:t> </a:t>
+            </a:r>
+            <a:r>
+              <a:rPr lang="en-US" dirty="0" smtClean="0"/>
+              <a:t>[https</a:t>
+            </a:r>
+            <a:r>
+              <a:rPr lang="en-US" dirty="0"/>
+              <a:t>://</a:t>
+            </a:r>
+            <a:r>
+              <a:rPr lang="en-US" dirty="0" err="1"/>
+              <a:t>gist.github.com</a:t>
+            </a:r>
+            <a:r>
+              <a:rPr lang="en-US" dirty="0"/>
+              <a:t>/</a:t>
+            </a:r>
+            <a:r>
+              <a:rPr lang="en-US" dirty="0" err="1"/>
+              <a:t>paulirish</a:t>
+            </a:r>
+            <a:r>
+              <a:rPr lang="en-US" dirty="0"/>
+              <a:t>/</a:t>
+            </a:r>
+            <a:r>
+              <a:rPr lang="en-US" dirty="0" smtClean="0"/>
+              <a:t>1579671] allow you to load JS as early as possible 4.4 </a:t>
+            </a:r>
+            <a:r>
+              <a:rPr lang="en-US" dirty="0" err="1" smtClean="0"/>
+              <a:t>PolyFill</a:t>
+            </a:r>
+            <a:r>
+              <a:rPr lang="en-US" dirty="0" smtClean="0"/>
+              <a:t> for IE9</a:t>
+            </a:r>
+          </a:p>
+          <a:p>
+            <a:pPr lvl="1"/>
+            <a:r>
+              <a:rPr lang="en-US" dirty="0" smtClean="0"/>
+              <a:t>Old time: </a:t>
+            </a:r>
+            <a:r>
+              <a:rPr lang="en-US" dirty="0" err="1" smtClean="0"/>
+              <a:t>setTimeout</a:t>
+            </a:r>
+            <a:r>
+              <a:rPr lang="en-US" dirty="0" smtClean="0"/>
+              <a:t>/</a:t>
+            </a:r>
+            <a:r>
+              <a:rPr lang="en-US" dirty="0" err="1" smtClean="0"/>
+              <a:t>setInterval</a:t>
+            </a:r>
+            <a:endParaRPr lang="en-US" dirty="0" smtClean="0"/>
+          </a:p>
+          <a:p>
+            <a:endParaRPr lang="en-US" dirty="0" smtClean="0"/>
+          </a:p>
+          <a:p>
+            <a:endParaRPr lang="en-US" dirty="0"/>
+          </a:p>
+        </p:txBody>
+      </p:sp>
+      <p:sp>
+        <p:nvSpPr>
+          <p:cNvPr id="4" name="Title 1"/>
+          <p:cNvSpPr>
+            <a:spLocks noGrp="1"/>
+          </p:cNvSpPr>
+          <p:nvPr>
+            <p:ph type="title"/>
+          </p:nvPr>
+        </p:nvSpPr>
+        <p:spPr/>
+        <p:txBody>
+          <a:bodyPr>
+            <a:noAutofit/>
+          </a:bodyPr>
+          <a:lstStyle/>
+          <a:p>
+            <a:r>
+              <a:rPr lang="en-US" sz="3600" b="1" dirty="0" smtClean="0"/>
+              <a:t>Browser Rendering </a:t>
+            </a:r>
+            <a:r>
+              <a:rPr lang="en-US" sz="3600" b="1" dirty="0" smtClean="0"/>
+              <a:t>Optimization</a:t>
+            </a:r>
+            <a:br>
+              <a:rPr lang="en-US" sz="3600" b="1" dirty="0" smtClean="0"/>
+            </a:br>
+            <a:r>
+              <a:rPr lang="en-US" sz="3600" b="1" dirty="0"/>
+              <a:t> </a:t>
+            </a:r>
+            <a:r>
+              <a:rPr lang="en-US" sz="3600" b="1" dirty="0" smtClean="0"/>
+              <a:t>- lesson 4 </a:t>
+            </a:r>
+            <a:r>
+              <a:rPr lang="en-US" sz="3600" b="1" dirty="0" err="1" smtClean="0"/>
+              <a:t>Javascript</a:t>
+            </a:r>
+            <a:endParaRPr lang="en-US" sz="3600" b="1" dirty="0"/>
+          </a:p>
+        </p:txBody>
+      </p:sp>
+    </p:spTree>
+    <p:extLst>
+      <p:ext uri="{BB962C8B-B14F-4D97-AF65-F5344CB8AC3E}">
+        <p14:creationId xmlns:p14="http://schemas.microsoft.com/office/powerpoint/2010/main" val="1498894192"/>
       </p:ext>
     </p:extLst>
   </p:cSld>
@@ -4233,15 +5114,7 @@
             </a:r>
             <a:r>
               <a:rPr lang="en-US" dirty="0" smtClean="0"/>
-              <a:t> use of render blocking resource(</a:t>
-            </a:r>
-            <a:r>
-              <a:rPr lang="en-US" dirty="0" smtClean="0"/>
-              <a:t>CSS</a:t>
-            </a:r>
-            <a:r>
-              <a:rPr lang="en-US" dirty="0" smtClean="0"/>
-              <a:t>)</a:t>
+              <a:t> use of render blocking resource(CSS)</a:t>
             </a:r>
           </a:p>
           <a:p>
@@ -4269,15 +5142,7 @@
           <a:p>
             <a:r>
               <a:rPr lang="en-US" dirty="0" smtClean="0"/>
-              <a:t>Minimize use of parser blocking resource(</a:t>
-            </a:r>
-            <a:r>
-              <a:rPr lang="en-US" dirty="0" smtClean="0"/>
-              <a:t>JS</a:t>
-            </a:r>
-            <a:r>
-              <a:rPr lang="en-US" dirty="0" smtClean="0"/>
-              <a:t>)</a:t>
+              <a:t>Minimize use of parser blocking resource(JS)</a:t>
             </a:r>
           </a:p>
           <a:p>

--- a/FE_P4/Techie_0224.pptx
+++ b/FE_P4/Techie_0224.pptx
@@ -20,6 +20,7 @@
     <p:sldId id="268" r:id="rId14"/>
     <p:sldId id="269" r:id="rId15"/>
     <p:sldId id="270" r:id="rId16"/>
+    <p:sldId id="271" r:id="rId17"/>
   </p:sldIdLst>
   <p:sldSz cx="9144000" cy="6858000" type="screen4x3"/>
   <p:notesSz cx="6858000" cy="9144000"/>
@@ -302,7 +303,7 @@
           <a:p>
             <a:fld id="{3C092CCD-DFED-984F-BC64-F3955DBCBC7E}" type="datetimeFigureOut">
               <a:rPr lang="en-US" smtClean="0"/>
-              <a:t>2/21/16</a:t>
+              <a:t>2/23/16</a:t>
             </a:fld>
             <a:endParaRPr lang="en-US"/>
           </a:p>
@@ -472,7 +473,7 @@
           <a:p>
             <a:fld id="{3C092CCD-DFED-984F-BC64-F3955DBCBC7E}" type="datetimeFigureOut">
               <a:rPr lang="en-US" smtClean="0"/>
-              <a:t>2/21/16</a:t>
+              <a:t>2/23/16</a:t>
             </a:fld>
             <a:endParaRPr lang="en-US"/>
           </a:p>
@@ -652,7 +653,7 @@
           <a:p>
             <a:fld id="{3C092CCD-DFED-984F-BC64-F3955DBCBC7E}" type="datetimeFigureOut">
               <a:rPr lang="en-US" smtClean="0"/>
-              <a:t>2/21/16</a:t>
+              <a:t>2/23/16</a:t>
             </a:fld>
             <a:endParaRPr lang="en-US"/>
           </a:p>
@@ -822,7 +823,7 @@
           <a:p>
             <a:fld id="{3C092CCD-DFED-984F-BC64-F3955DBCBC7E}" type="datetimeFigureOut">
               <a:rPr lang="en-US" smtClean="0"/>
-              <a:t>2/21/16</a:t>
+              <a:t>2/23/16</a:t>
             </a:fld>
             <a:endParaRPr lang="en-US"/>
           </a:p>
@@ -1068,7 +1069,7 @@
           <a:p>
             <a:fld id="{3C092CCD-DFED-984F-BC64-F3955DBCBC7E}" type="datetimeFigureOut">
               <a:rPr lang="en-US" smtClean="0"/>
-              <a:t>2/21/16</a:t>
+              <a:t>2/23/16</a:t>
             </a:fld>
             <a:endParaRPr lang="en-US"/>
           </a:p>
@@ -1356,7 +1357,7 @@
           <a:p>
             <a:fld id="{3C092CCD-DFED-984F-BC64-F3955DBCBC7E}" type="datetimeFigureOut">
               <a:rPr lang="en-US" smtClean="0"/>
-              <a:t>2/21/16</a:t>
+              <a:t>2/23/16</a:t>
             </a:fld>
             <a:endParaRPr lang="en-US"/>
           </a:p>
@@ -1778,7 +1779,7 @@
           <a:p>
             <a:fld id="{3C092CCD-DFED-984F-BC64-F3955DBCBC7E}" type="datetimeFigureOut">
               <a:rPr lang="en-US" smtClean="0"/>
-              <a:t>2/21/16</a:t>
+              <a:t>2/23/16</a:t>
             </a:fld>
             <a:endParaRPr lang="en-US"/>
           </a:p>
@@ -1896,7 +1897,7 @@
           <a:p>
             <a:fld id="{3C092CCD-DFED-984F-BC64-F3955DBCBC7E}" type="datetimeFigureOut">
               <a:rPr lang="en-US" smtClean="0"/>
-              <a:t>2/21/16</a:t>
+              <a:t>2/23/16</a:t>
             </a:fld>
             <a:endParaRPr lang="en-US"/>
           </a:p>
@@ -1991,7 +1992,7 @@
           <a:p>
             <a:fld id="{3C092CCD-DFED-984F-BC64-F3955DBCBC7E}" type="datetimeFigureOut">
               <a:rPr lang="en-US" smtClean="0"/>
-              <a:t>2/21/16</a:t>
+              <a:t>2/23/16</a:t>
             </a:fld>
             <a:endParaRPr lang="en-US"/>
           </a:p>
@@ -2268,7 +2269,7 @@
           <a:p>
             <a:fld id="{3C092CCD-DFED-984F-BC64-F3955DBCBC7E}" type="datetimeFigureOut">
               <a:rPr lang="en-US" smtClean="0"/>
-              <a:t>2/21/16</a:t>
+              <a:t>2/23/16</a:t>
             </a:fld>
             <a:endParaRPr lang="en-US"/>
           </a:p>
@@ -2521,7 +2522,7 @@
           <a:p>
             <a:fld id="{3C092CCD-DFED-984F-BC64-F3955DBCBC7E}" type="datetimeFigureOut">
               <a:rPr lang="en-US" smtClean="0"/>
-              <a:t>2/21/16</a:t>
+              <a:t>2/23/16</a:t>
             </a:fld>
             <a:endParaRPr lang="en-US"/>
           </a:p>
@@ -2734,7 +2735,7 @@
           <a:p>
             <a:fld id="{3C092CCD-DFED-984F-BC64-F3955DBCBC7E}" type="datetimeFigureOut">
               <a:rPr lang="en-US" smtClean="0"/>
-              <a:t>2/21/16</a:t>
+              <a:t>2/23/16</a:t>
             </a:fld>
             <a:endParaRPr lang="en-US"/>
           </a:p>
@@ -3208,11 +3209,7 @@
           <a:p>
             <a:r>
               <a:rPr lang="en-US" b="1" dirty="0" smtClean="0"/>
-              <a:t>Browser Rendering </a:t>
-            </a:r>
-            <a:r>
-              <a:rPr lang="en-US" b="1" dirty="0" smtClean="0"/>
-              <a:t>Optimization</a:t>
+              <a:t>Browser Rendering Optimization</a:t>
             </a:r>
             <a:br>
               <a:rPr lang="en-US" b="1" dirty="0" smtClean="0"/>
@@ -3248,11 +3245,7 @@
           <a:p>
             <a:r>
               <a:rPr lang="en-US" dirty="0" smtClean="0"/>
-              <a:t>Most devices refresh their screen 60 times per second, 60 </a:t>
-            </a:r>
-            <a:r>
-              <a:rPr lang="en-US" dirty="0" smtClean="0"/>
-              <a:t>frames per second 60 Hz, 60 fps,</a:t>
+              <a:t>Most devices refresh their screen 60 times per second, 60 frames per second 60 Hz, 60 fps,</a:t>
             </a:r>
           </a:p>
           <a:p>
@@ -3265,11 +3258,7 @@
             </a:r>
             <a:r>
               <a:rPr lang="en-US" dirty="0" smtClean="0"/>
-              <a:t>16.67ms/frame, 10ms/frame to avoid browser’s housekeeping </a:t>
-            </a:r>
-            <a:r>
-              <a:rPr lang="en-US" dirty="0" smtClean="0"/>
-              <a:t>work</a:t>
+              <a:t>16.67ms/frame, 10ms/frame to avoid browser’s housekeeping work</a:t>
             </a:r>
           </a:p>
           <a:p>
@@ -3280,7 +3269,6 @@
               <a:rPr lang="en-US" dirty="0" smtClean="0"/>
               <a:t>The browser makes a get request to the server.</a:t>
             </a:r>
-            <a:endParaRPr lang="en-US" dirty="0" smtClean="0"/>
           </a:p>
           <a:p>
             <a:r>
@@ -3299,11 +3287,7 @@
           <a:p>
             <a:r>
               <a:rPr lang="en-US" dirty="0" smtClean="0"/>
-              <a:t>What goes into one frame</a:t>
-            </a:r>
-            <a:r>
-              <a:rPr lang="en-US" dirty="0" smtClean="0"/>
-              <a:t>?</a:t>
+              <a:t>What goes into one frame?</a:t>
             </a:r>
           </a:p>
           <a:p>
@@ -3311,7 +3295,6 @@
               <a:rPr lang="en-US" dirty="0" smtClean="0"/>
               <a:t>Vector image being rasterized into : image decode</a:t>
             </a:r>
-            <a:endParaRPr lang="en-US" dirty="0" smtClean="0"/>
           </a:p>
           <a:p>
             <a:endParaRPr lang="en-US" dirty="0"/>
@@ -3677,11 +3660,7 @@
           <a:p>
             <a:r>
               <a:rPr lang="en-US" b="1" dirty="0" smtClean="0"/>
-              <a:t>Browser Rendering </a:t>
-            </a:r>
-            <a:r>
-              <a:rPr lang="en-US" b="1" dirty="0" smtClean="0"/>
-              <a:t>Optimization</a:t>
+              <a:t>Browser Rendering Optimization</a:t>
             </a:r>
             <a:br>
               <a:rPr lang="en-US" b="1" dirty="0" smtClean="0"/>
@@ -3936,11 +3915,7 @@
           <a:p>
             <a:r>
               <a:rPr lang="en-US" sz="3600" b="1" dirty="0" smtClean="0"/>
-              <a:t>Browser Rendering </a:t>
-            </a:r>
-            <a:r>
-              <a:rPr lang="en-US" sz="3600" b="1" dirty="0" smtClean="0"/>
-              <a:t>Optimization</a:t>
+              <a:t>Browser Rendering Optimization</a:t>
             </a:r>
             <a:br>
               <a:rPr lang="en-US" sz="3600" b="1" dirty="0" smtClean="0"/>
@@ -4008,7 +3983,7 @@
         <p:spPr/>
         <p:txBody>
           <a:bodyPr>
-            <a:normAutofit fontScale="92500"/>
+            <a:normAutofit fontScale="77500" lnSpcReduction="20000"/>
           </a:bodyPr>
           <a:lstStyle/>
           <a:p>
@@ -4018,8 +3993,45 @@
             </a:r>
             <a:r>
               <a:rPr lang="en-US" dirty="0" smtClean="0"/>
-              <a:t> Compiler: Just In Time compiler (JIT) very complicated engine. </a:t>
-            </a:r>
+              <a:t> Compiler</a:t>
+            </a:r>
+            <a:r>
+              <a:rPr lang="en-US" dirty="0" smtClean="0"/>
+              <a:t>: </a:t>
+            </a:r>
+          </a:p>
+          <a:p>
+            <a:r>
+              <a:rPr lang="en-US" dirty="0" smtClean="0"/>
+              <a:t>The Code you wrote may not be the code runs</a:t>
+            </a:r>
+            <a:endParaRPr lang="en-US" dirty="0" smtClean="0"/>
+          </a:p>
+          <a:p>
+            <a:pPr marL="0" indent="0">
+              <a:buNone/>
+            </a:pPr>
+            <a:r>
+              <a:rPr lang="en-US" dirty="0" smtClean="0"/>
+              <a:t> </a:t>
+            </a:r>
+            <a:r>
+              <a:rPr lang="en-US" dirty="0" smtClean="0"/>
+              <a:t>Just In Time compiler (JIT) very complicated </a:t>
+            </a:r>
+            <a:r>
+              <a:rPr lang="en-US" dirty="0" smtClean="0"/>
+              <a:t>engine</a:t>
+            </a:r>
+            <a:r>
+              <a:rPr lang="en-US" dirty="0"/>
+              <a:t>  </a:t>
+            </a:r>
+            <a:r>
+              <a:rPr lang="en-US" dirty="0" smtClean="0"/>
+              <a:t>to make the code run fast</a:t>
+            </a:r>
+            <a:endParaRPr lang="en-US" dirty="0" smtClean="0"/>
           </a:p>
           <a:p>
             <a:r>
@@ -4030,52 +4042,116 @@
           <a:p>
             <a:r>
               <a:rPr lang="en-US" dirty="0"/>
-              <a:t>RAIL [ 100ms, 10ms, 50ms, 1000ms]</a:t>
-            </a:r>
-          </a:p>
-          <a:p>
+              <a:t>RAIL [ 100ms, 10ms, 50ms, 1000ms</a:t>
+            </a:r>
+            <a:r>
+              <a:rPr lang="en-US" dirty="0" smtClean="0"/>
+              <a:t>]</a:t>
+            </a:r>
+          </a:p>
+          <a:p>
+            <a:pPr lvl="1"/>
+            <a:r>
+              <a:rPr lang="en-US" dirty="0" smtClean="0"/>
+              <a:t>Load </a:t>
+            </a:r>
             <a:r>
               <a:rPr lang="en-US" dirty="0" err="1" smtClean="0"/>
+              <a:t>js</a:t>
+            </a:r>
+            <a:r>
+              <a:rPr lang="en-US" dirty="0" smtClean="0"/>
+              <a:t> as early as possible for the calculation and paint etc.</a:t>
+            </a:r>
+            <a:endParaRPr lang="en-US" dirty="0"/>
+          </a:p>
+          <a:p>
+            <a:r>
+              <a:rPr lang="en-US" dirty="0" err="1" smtClean="0">
+                <a:solidFill>
+                  <a:srgbClr val="FF0000"/>
+                </a:solidFill>
+              </a:rPr>
               <a:t>requestAnimationFrame</a:t>
             </a:r>
             <a:r>
-              <a:rPr lang="en-US" dirty="0"/>
+              <a:rPr lang="en-US" dirty="0">
+                <a:solidFill>
+                  <a:srgbClr val="FF0000"/>
+                </a:solidFill>
+              </a:rPr>
               <a:t> </a:t>
             </a:r>
             <a:r>
-              <a:rPr lang="en-US" dirty="0" smtClean="0"/>
+              <a:rPr lang="en-US" dirty="0" smtClean="0">
+                <a:solidFill>
+                  <a:srgbClr val="FF0000"/>
+                </a:solidFill>
+              </a:rPr>
               <a:t>[https</a:t>
             </a:r>
             <a:r>
-              <a:rPr lang="en-US" dirty="0"/>
+              <a:rPr lang="en-US" dirty="0">
+                <a:solidFill>
+                  <a:srgbClr val="FF0000"/>
+                </a:solidFill>
+              </a:rPr>
               <a:t>://</a:t>
             </a:r>
             <a:r>
-              <a:rPr lang="en-US" dirty="0" err="1"/>
+              <a:rPr lang="en-US" dirty="0" err="1">
+                <a:solidFill>
+                  <a:srgbClr val="FF0000"/>
+                </a:solidFill>
+              </a:rPr>
               <a:t>gist.github.com</a:t>
             </a:r>
             <a:r>
-              <a:rPr lang="en-US" dirty="0"/>
+              <a:rPr lang="en-US" dirty="0">
+                <a:solidFill>
+                  <a:srgbClr val="FF0000"/>
+                </a:solidFill>
+              </a:rPr>
               <a:t>/</a:t>
             </a:r>
             <a:r>
-              <a:rPr lang="en-US" dirty="0" err="1"/>
+              <a:rPr lang="en-US" dirty="0" err="1">
+                <a:solidFill>
+                  <a:srgbClr val="FF0000"/>
+                </a:solidFill>
+              </a:rPr>
               <a:t>paulirish</a:t>
             </a:r>
             <a:r>
-              <a:rPr lang="en-US" dirty="0"/>
+              <a:rPr lang="en-US" dirty="0">
+                <a:solidFill>
+                  <a:srgbClr val="FF0000"/>
+                </a:solidFill>
+              </a:rPr>
               <a:t>/</a:t>
             </a:r>
             <a:r>
-              <a:rPr lang="en-US" dirty="0" smtClean="0"/>
+              <a:rPr lang="en-US" dirty="0" smtClean="0">
+                <a:solidFill>
+                  <a:srgbClr val="FF0000"/>
+                </a:solidFill>
+              </a:rPr>
               <a:t>1579671] allow you to load JS as early as possible 4.4 </a:t>
             </a:r>
             <a:r>
-              <a:rPr lang="en-US" dirty="0" err="1" smtClean="0"/>
+              <a:rPr lang="en-US" dirty="0" err="1" smtClean="0">
+                <a:solidFill>
+                  <a:srgbClr val="FF0000"/>
+                </a:solidFill>
+              </a:rPr>
               <a:t>PolyFill</a:t>
             </a:r>
             <a:r>
-              <a:rPr lang="en-US" dirty="0" smtClean="0"/>
+              <a:rPr lang="en-US" dirty="0" smtClean="0">
+                <a:solidFill>
+                  <a:srgbClr val="FF0000"/>
+                </a:solidFill>
+              </a:rPr>
               <a:t> for IE9</a:t>
             </a:r>
           </a:p>
@@ -4126,11 +4202,7 @@
           <a:p>
             <a:r>
               <a:rPr lang="en-US" sz="3600" b="1" dirty="0" smtClean="0"/>
-              <a:t>Browser Rendering </a:t>
-            </a:r>
-            <a:r>
-              <a:rPr lang="en-US" sz="3600" b="1" dirty="0" smtClean="0"/>
-              <a:t>Optimization</a:t>
+              <a:t>Browser Rendering Optimization</a:t>
             </a:r>
             <a:br>
               <a:rPr lang="en-US" sz="3600" b="1" dirty="0" smtClean="0"/>
@@ -4155,6 +4227,78 @@
     <p:extLst>
       <p:ext uri="{BB962C8B-B14F-4D97-AF65-F5344CB8AC3E}">
         <p14:creationId xmlns:p14="http://schemas.microsoft.com/office/powerpoint/2010/main" val="1498894192"/>
+      </p:ext>
+    </p:extLst>
+  </p:cSld>
+  <p:clrMapOvr>
+    <a:masterClrMapping/>
+  </p:clrMapOvr>
+</p:sld>
+</file>
+
+<file path=ppt/slides/slide16.xml><?xml version="1.0" encoding="utf-8"?>
+<p:sld xmlns:a="http://schemas.openxmlformats.org/drawingml/2006/main" xmlns:r="http://schemas.openxmlformats.org/officeDocument/2006/relationships" xmlns:p="http://schemas.openxmlformats.org/presentationml/2006/main">
+  <p:cSld>
+    <p:spTree>
+      <p:nvGrpSpPr>
+        <p:cNvPr id="1" name=""/>
+        <p:cNvGrpSpPr/>
+        <p:nvPr/>
+      </p:nvGrpSpPr>
+      <p:grpSpPr>
+        <a:xfrm>
+          <a:off x="0" y="0"/>
+          <a:ext cx="0" cy="0"/>
+          <a:chOff x="0" y="0"/>
+          <a:chExt cx="0" cy="0"/>
+        </a:xfrm>
+      </p:grpSpPr>
+      <p:sp>
+        <p:nvSpPr>
+          <p:cNvPr id="2" name="Title 1"/>
+          <p:cNvSpPr>
+            <a:spLocks noGrp="1"/>
+          </p:cNvSpPr>
+          <p:nvPr>
+            <p:ph type="title"/>
+          </p:nvPr>
+        </p:nvSpPr>
+        <p:spPr/>
+        <p:txBody>
+          <a:bodyPr/>
+          <a:lstStyle/>
+          <a:p>
+            <a:r>
+              <a:rPr lang="en-US" smtClean="0"/>
+              <a:t>Web Worker</a:t>
+            </a:r>
+            <a:endParaRPr lang="en-US"/>
+          </a:p>
+        </p:txBody>
+      </p:sp>
+      <p:sp>
+        <p:nvSpPr>
+          <p:cNvPr id="3" name="Content Placeholder 2"/>
+          <p:cNvSpPr>
+            <a:spLocks noGrp="1"/>
+          </p:cNvSpPr>
+          <p:nvPr>
+            <p:ph idx="1"/>
+          </p:nvPr>
+        </p:nvSpPr>
+        <p:spPr/>
+        <p:txBody>
+          <a:bodyPr/>
+          <a:lstStyle/>
+          <a:p>
+            <a:endParaRPr lang="en-US"/>
+          </a:p>
+        </p:txBody>
+      </p:sp>
+    </p:spTree>
+    <p:extLst>
+      <p:ext uri="{BB962C8B-B14F-4D97-AF65-F5344CB8AC3E}">
+        <p14:creationId xmlns:p14="http://schemas.microsoft.com/office/powerpoint/2010/main" val="1485879872"/>
       </p:ext>
     </p:extLst>
   </p:cSld>

--- a/FE_P4/Techie_0224.pptx
+++ b/FE_P4/Techie_0224.pptx
@@ -21,6 +21,9 @@
     <p:sldId id="269" r:id="rId15"/>
     <p:sldId id="270" r:id="rId16"/>
     <p:sldId id="271" r:id="rId17"/>
+    <p:sldId id="272" r:id="rId18"/>
+    <p:sldId id="273" r:id="rId19"/>
+    <p:sldId id="274" r:id="rId20"/>
   </p:sldIdLst>
   <p:sldSz cx="9144000" cy="6858000" type="screen4x3"/>
   <p:notesSz cx="6858000" cy="9144000"/>
@@ -303,7 +306,7 @@
           <a:p>
             <a:fld id="{3C092CCD-DFED-984F-BC64-F3955DBCBC7E}" type="datetimeFigureOut">
               <a:rPr lang="en-US" smtClean="0"/>
-              <a:t>2/23/16</a:t>
+              <a:t>2/24/16</a:t>
             </a:fld>
             <a:endParaRPr lang="en-US"/>
           </a:p>
@@ -473,7 +476,7 @@
           <a:p>
             <a:fld id="{3C092CCD-DFED-984F-BC64-F3955DBCBC7E}" type="datetimeFigureOut">
               <a:rPr lang="en-US" smtClean="0"/>
-              <a:t>2/23/16</a:t>
+              <a:t>2/24/16</a:t>
             </a:fld>
             <a:endParaRPr lang="en-US"/>
           </a:p>
@@ -653,7 +656,7 @@
           <a:p>
             <a:fld id="{3C092CCD-DFED-984F-BC64-F3955DBCBC7E}" type="datetimeFigureOut">
               <a:rPr lang="en-US" smtClean="0"/>
-              <a:t>2/23/16</a:t>
+              <a:t>2/24/16</a:t>
             </a:fld>
             <a:endParaRPr lang="en-US"/>
           </a:p>
@@ -823,7 +826,7 @@
           <a:p>
             <a:fld id="{3C092CCD-DFED-984F-BC64-F3955DBCBC7E}" type="datetimeFigureOut">
               <a:rPr lang="en-US" smtClean="0"/>
-              <a:t>2/23/16</a:t>
+              <a:t>2/24/16</a:t>
             </a:fld>
             <a:endParaRPr lang="en-US"/>
           </a:p>
@@ -1069,7 +1072,7 @@
           <a:p>
             <a:fld id="{3C092CCD-DFED-984F-BC64-F3955DBCBC7E}" type="datetimeFigureOut">
               <a:rPr lang="en-US" smtClean="0"/>
-              <a:t>2/23/16</a:t>
+              <a:t>2/24/16</a:t>
             </a:fld>
             <a:endParaRPr lang="en-US"/>
           </a:p>
@@ -1357,7 +1360,7 @@
           <a:p>
             <a:fld id="{3C092CCD-DFED-984F-BC64-F3955DBCBC7E}" type="datetimeFigureOut">
               <a:rPr lang="en-US" smtClean="0"/>
-              <a:t>2/23/16</a:t>
+              <a:t>2/24/16</a:t>
             </a:fld>
             <a:endParaRPr lang="en-US"/>
           </a:p>
@@ -1779,7 +1782,7 @@
           <a:p>
             <a:fld id="{3C092CCD-DFED-984F-BC64-F3955DBCBC7E}" type="datetimeFigureOut">
               <a:rPr lang="en-US" smtClean="0"/>
-              <a:t>2/23/16</a:t>
+              <a:t>2/24/16</a:t>
             </a:fld>
             <a:endParaRPr lang="en-US"/>
           </a:p>
@@ -1897,7 +1900,7 @@
           <a:p>
             <a:fld id="{3C092CCD-DFED-984F-BC64-F3955DBCBC7E}" type="datetimeFigureOut">
               <a:rPr lang="en-US" smtClean="0"/>
-              <a:t>2/23/16</a:t>
+              <a:t>2/24/16</a:t>
             </a:fld>
             <a:endParaRPr lang="en-US"/>
           </a:p>
@@ -1992,7 +1995,7 @@
           <a:p>
             <a:fld id="{3C092CCD-DFED-984F-BC64-F3955DBCBC7E}" type="datetimeFigureOut">
               <a:rPr lang="en-US" smtClean="0"/>
-              <a:t>2/23/16</a:t>
+              <a:t>2/24/16</a:t>
             </a:fld>
             <a:endParaRPr lang="en-US"/>
           </a:p>
@@ -2269,7 +2272,7 @@
           <a:p>
             <a:fld id="{3C092CCD-DFED-984F-BC64-F3955DBCBC7E}" type="datetimeFigureOut">
               <a:rPr lang="en-US" smtClean="0"/>
-              <a:t>2/23/16</a:t>
+              <a:t>2/24/16</a:t>
             </a:fld>
             <a:endParaRPr lang="en-US"/>
           </a:p>
@@ -2522,7 +2525,7 @@
           <a:p>
             <a:fld id="{3C092CCD-DFED-984F-BC64-F3955DBCBC7E}" type="datetimeFigureOut">
               <a:rPr lang="en-US" smtClean="0"/>
-              <a:t>2/23/16</a:t>
+              <a:t>2/24/16</a:t>
             </a:fld>
             <a:endParaRPr lang="en-US"/>
           </a:p>
@@ -2735,7 +2738,7 @@
           <a:p>
             <a:fld id="{3C092CCD-DFED-984F-BC64-F3955DBCBC7E}" type="datetimeFigureOut">
               <a:rPr lang="en-US" smtClean="0"/>
-              <a:t>2/23/16</a:t>
+              <a:t>2/24/16</a:t>
             </a:fld>
             <a:endParaRPr lang="en-US"/>
           </a:p>
@@ -3170,6 +3173,13 @@
   <p:clrMapOvr>
     <a:masterClrMapping/>
   </p:clrMapOvr>
+  <p:timing>
+    <p:tnLst>
+      <p:par>
+        <p:cTn xmlns:p14="http://schemas.microsoft.com/office/powerpoint/2010/main" id="1" dur="indefinite" restart="never" nodeType="tmRoot"/>
+      </p:par>
+    </p:tnLst>
+  </p:timing>
 </p:sld>
 </file>
 
@@ -3311,6 +3321,13 @@
   <p:clrMapOvr>
     <a:masterClrMapping/>
   </p:clrMapOvr>
+  <p:timing>
+    <p:tnLst>
+      <p:par>
+        <p:cTn xmlns:p14="http://schemas.microsoft.com/office/powerpoint/2010/main" id="1" dur="indefinite" restart="never" nodeType="tmRoot"/>
+      </p:par>
+    </p:tnLst>
+  </p:timing>
 </p:sld>
 </file>
 
@@ -3487,6 +3504,13 @@
   <p:clrMapOvr>
     <a:masterClrMapping/>
   </p:clrMapOvr>
+  <p:timing>
+    <p:tnLst>
+      <p:par>
+        <p:cTn xmlns:p14="http://schemas.microsoft.com/office/powerpoint/2010/main" id="1" dur="indefinite" restart="never" nodeType="tmRoot"/>
+      </p:par>
+    </p:tnLst>
+  </p:timing>
 </p:sld>
 </file>
 
@@ -3687,6 +3711,13 @@
   <p:clrMapOvr>
     <a:masterClrMapping/>
   </p:clrMapOvr>
+  <p:timing>
+    <p:tnLst>
+      <p:par>
+        <p:cTn xmlns:p14="http://schemas.microsoft.com/office/powerpoint/2010/main" id="1" dur="indefinite" restart="never" nodeType="tmRoot"/>
+      </p:par>
+    </p:tnLst>
+  </p:timing>
 </p:sld>
 </file>
 
@@ -3799,6 +3830,13 @@
   <p:clrMapOvr>
     <a:masterClrMapping/>
   </p:clrMapOvr>
+  <p:timing>
+    <p:tnLst>
+      <p:par>
+        <p:cTn xmlns:p14="http://schemas.microsoft.com/office/powerpoint/2010/main" id="1" dur="indefinite" restart="never" nodeType="tmRoot"/>
+      </p:par>
+    </p:tnLst>
+  </p:timing>
 </p:sld>
 </file>
 
@@ -3879,12 +3917,12 @@
               <a:t>Focus on the </a:t>
             </a:r>
             <a:r>
-              <a:rPr lang="en-US" dirty="0" err="1" smtClean="0"/>
-              <a:t>cuase</a:t>
-            </a:r>
-            <a:r>
-              <a:rPr lang="en-US" dirty="0" smtClean="0"/>
-              <a:t> of bottlenecks, not symptoms</a:t>
+              <a:rPr lang="en-US" dirty="0" smtClean="0"/>
+              <a:t>cause </a:t>
+            </a:r>
+            <a:r>
+              <a:rPr lang="en-US" dirty="0" smtClean="0"/>
+              <a:t>of bottlenecks, not symptoms</a:t>
             </a:r>
           </a:p>
           <a:p>
@@ -3950,6 +3988,13 @@
   <p:clrMapOvr>
     <a:masterClrMapping/>
   </p:clrMapOvr>
+  <p:timing>
+    <p:tnLst>
+      <p:par>
+        <p:cTn xmlns:p14="http://schemas.microsoft.com/office/powerpoint/2010/main" id="1" dur="indefinite" restart="never" nodeType="tmRoot"/>
+      </p:par>
+    </p:tnLst>
+  </p:timing>
 </p:sld>
 </file>
 
@@ -3993,11 +4038,7 @@
             </a:r>
             <a:r>
               <a:rPr lang="en-US" dirty="0" smtClean="0"/>
-              <a:t> Compiler</a:t>
-            </a:r>
-            <a:r>
-              <a:rPr lang="en-US" dirty="0" smtClean="0"/>
-              <a:t>: </a:t>
+              <a:t> Compiler: </a:t>
             </a:r>
           </a:p>
           <a:p>
@@ -4005,7 +4046,6 @@
               <a:rPr lang="en-US" dirty="0" smtClean="0"/>
               <a:t>The Code you wrote may not be the code runs</a:t>
             </a:r>
-            <a:endParaRPr lang="en-US" dirty="0" smtClean="0"/>
           </a:p>
           <a:p>
             <a:pPr marL="0" indent="0">
@@ -4013,15 +4053,7 @@
             </a:pPr>
             <a:r>
               <a:rPr lang="en-US" dirty="0" smtClean="0"/>
-              <a:t> </a:t>
-            </a:r>
-            <a:r>
-              <a:rPr lang="en-US" dirty="0" smtClean="0"/>
-              <a:t>Just In Time compiler (JIT) very complicated </a:t>
-            </a:r>
-            <a:r>
-              <a:rPr lang="en-US" dirty="0" smtClean="0"/>
-              <a:t>engine</a:t>
+              <a:t> Just In Time compiler (JIT) very complicated engine</a:t>
             </a:r>
             <a:r>
               <a:rPr lang="en-US" dirty="0"/>
@@ -4031,7 +4063,6 @@
               <a:rPr lang="en-US" dirty="0" smtClean="0"/>
               <a:t>to make the code run fast</a:t>
             </a:r>
-            <a:endParaRPr lang="en-US" dirty="0" smtClean="0"/>
           </a:p>
           <a:p>
             <a:r>
@@ -4233,6 +4264,13 @@
   <p:clrMapOvr>
     <a:masterClrMapping/>
   </p:clrMapOvr>
+  <p:timing>
+    <p:tnLst>
+      <p:par>
+        <p:cTn xmlns:p14="http://schemas.microsoft.com/office/powerpoint/2010/main" id="1" dur="indefinite" restart="never" nodeType="tmRoot"/>
+      </p:par>
+    </p:tnLst>
+  </p:timing>
 </p:sld>
 </file>
 
@@ -4269,10 +4307,10 @@
           <a:lstStyle/>
           <a:p>
             <a:r>
-              <a:rPr lang="en-US" smtClean="0"/>
+              <a:rPr lang="en-US" dirty="0" smtClean="0"/>
               <a:t>Web Worker</a:t>
             </a:r>
-            <a:endParaRPr lang="en-US"/>
+            <a:endParaRPr lang="en-US" dirty="0"/>
           </a:p>
         </p:txBody>
       </p:sp>
@@ -4288,10 +4326,84 @@
         </p:nvSpPr>
         <p:spPr/>
         <p:txBody>
-          <a:bodyPr/>
-          <a:lstStyle/>
-          <a:p>
-            <a:endParaRPr lang="en-US"/>
+          <a:bodyPr>
+            <a:normAutofit/>
+          </a:bodyPr>
+          <a:lstStyle/>
+          <a:p>
+            <a:r>
+              <a:rPr lang="en-US" sz="2400" dirty="0" smtClean="0"/>
+              <a:t>The Problem: JavaScript Concurrency</a:t>
+            </a:r>
+          </a:p>
+          <a:p>
+            <a:r>
+              <a:rPr lang="en-US" sz="2400" dirty="0" smtClean="0"/>
+              <a:t>Bring Thread to JavaScript</a:t>
+            </a:r>
+          </a:p>
+          <a:p>
+            <a:r>
+              <a:rPr lang="en-US" sz="2400" dirty="0" smtClean="0"/>
+              <a:t>Two types: Dedicated Workers and Shared Workers</a:t>
+            </a:r>
+          </a:p>
+          <a:p>
+            <a:endParaRPr lang="en-US" sz="2400" dirty="0"/>
+          </a:p>
+        </p:txBody>
+      </p:sp>
+      <p:sp>
+        <p:nvSpPr>
+          <p:cNvPr id="4" name="Rectangle 3"/>
+          <p:cNvSpPr/>
+          <p:nvPr/>
+        </p:nvSpPr>
+        <p:spPr>
+          <a:xfrm>
+            <a:off x="457200" y="6125093"/>
+            <a:ext cx="8229600" cy="369332"/>
+          </a:xfrm>
+          <a:prstGeom prst="rect">
+            <a:avLst/>
+          </a:prstGeom>
+        </p:spPr>
+        <p:txBody>
+          <a:bodyPr wrap="square">
+            <a:spAutoFit/>
+          </a:bodyPr>
+          <a:lstStyle/>
+          <a:p>
+            <a:r>
+              <a:rPr lang="en-US" dirty="0">
+                <a:solidFill>
+                  <a:schemeClr val="tx1">
+                    <a:lumMod val="65000"/>
+                    <a:lumOff val="35000"/>
+                  </a:schemeClr>
+                </a:solidFill>
+              </a:rPr>
+              <a:t>http://www.html5rocks.com/en/tutorials/workers/basics/#</a:t>
+            </a:r>
+            <a:r>
+              <a:rPr lang="en-US" dirty="0" err="1">
+                <a:solidFill>
+                  <a:schemeClr val="tx1">
+                    <a:lumMod val="65000"/>
+                    <a:lumOff val="35000"/>
+                  </a:schemeClr>
+                </a:solidFill>
+              </a:rPr>
+              <a:t>toc-inlineworkers</a:t>
+            </a:r>
+            <a:endParaRPr lang="en-US" dirty="0">
+              <a:solidFill>
+                <a:schemeClr val="tx1">
+                  <a:lumMod val="65000"/>
+                  <a:lumOff val="35000"/>
+                </a:schemeClr>
+              </a:solidFill>
+            </a:endParaRPr>
           </a:p>
         </p:txBody>
       </p:sp>
@@ -4299,6 +4411,257 @@
     <p:extLst>
       <p:ext uri="{BB962C8B-B14F-4D97-AF65-F5344CB8AC3E}">
         <p14:creationId xmlns:p14="http://schemas.microsoft.com/office/powerpoint/2010/main" val="1485879872"/>
+      </p:ext>
+    </p:extLst>
+  </p:cSld>
+  <p:clrMapOvr>
+    <a:masterClrMapping/>
+  </p:clrMapOvr>
+  <p:timing>
+    <p:tnLst>
+      <p:par>
+        <p:cTn xmlns:p14="http://schemas.microsoft.com/office/powerpoint/2010/main" id="1" dur="indefinite" restart="never" nodeType="tmRoot"/>
+      </p:par>
+    </p:tnLst>
+  </p:timing>
+</p:sld>
+</file>
+
+<file path=ppt/slides/slide17.xml><?xml version="1.0" encoding="utf-8"?>
+<p:sld xmlns:a="http://schemas.openxmlformats.org/drawingml/2006/main" xmlns:r="http://schemas.openxmlformats.org/officeDocument/2006/relationships" xmlns:p="http://schemas.openxmlformats.org/presentationml/2006/main">
+  <p:cSld>
+    <p:spTree>
+      <p:nvGrpSpPr>
+        <p:cNvPr id="1" name=""/>
+        <p:cNvGrpSpPr/>
+        <p:nvPr/>
+      </p:nvGrpSpPr>
+      <p:grpSpPr>
+        <a:xfrm>
+          <a:off x="0" y="0"/>
+          <a:ext cx="0" cy="0"/>
+          <a:chOff x="0" y="0"/>
+          <a:chExt cx="0" cy="0"/>
+        </a:xfrm>
+      </p:grpSpPr>
+      <p:sp>
+        <p:nvSpPr>
+          <p:cNvPr id="2" name="Title 1"/>
+          <p:cNvSpPr>
+            <a:spLocks noGrp="1"/>
+          </p:cNvSpPr>
+          <p:nvPr>
+            <p:ph type="title"/>
+          </p:nvPr>
+        </p:nvSpPr>
+        <p:spPr/>
+        <p:txBody>
+          <a:bodyPr/>
+          <a:lstStyle/>
+          <a:p>
+            <a:endParaRPr lang="en-US"/>
+          </a:p>
+        </p:txBody>
+      </p:sp>
+      <p:sp>
+        <p:nvSpPr>
+          <p:cNvPr id="3" name="Content Placeholder 2"/>
+          <p:cNvSpPr>
+            <a:spLocks noGrp="1"/>
+          </p:cNvSpPr>
+          <p:nvPr>
+            <p:ph idx="1"/>
+          </p:nvPr>
+        </p:nvSpPr>
+        <p:spPr/>
+        <p:txBody>
+          <a:bodyPr/>
+          <a:lstStyle/>
+          <a:p>
+            <a:r>
+              <a:rPr lang="en-US" dirty="0" smtClean="0"/>
+              <a:t>JavaScript engine handles garbage collection</a:t>
+            </a:r>
+          </a:p>
+          <a:p>
+            <a:endParaRPr lang="en-US" dirty="0"/>
+          </a:p>
+        </p:txBody>
+      </p:sp>
+    </p:spTree>
+    <p:extLst>
+      <p:ext uri="{BB962C8B-B14F-4D97-AF65-F5344CB8AC3E}">
+        <p14:creationId xmlns:p14="http://schemas.microsoft.com/office/powerpoint/2010/main" val="3849552373"/>
+      </p:ext>
+    </p:extLst>
+  </p:cSld>
+  <p:clrMapOvr>
+    <a:masterClrMapping/>
+  </p:clrMapOvr>
+</p:sld>
+</file>
+
+<file path=ppt/slides/slide18.xml><?xml version="1.0" encoding="utf-8"?>
+<p:sld xmlns:a="http://schemas.openxmlformats.org/drawingml/2006/main" xmlns:r="http://schemas.openxmlformats.org/officeDocument/2006/relationships" xmlns:p="http://schemas.openxmlformats.org/presentationml/2006/main">
+  <p:cSld>
+    <p:spTree>
+      <p:nvGrpSpPr>
+        <p:cNvPr id="1" name=""/>
+        <p:cNvGrpSpPr/>
+        <p:nvPr/>
+      </p:nvGrpSpPr>
+      <p:grpSpPr>
+        <a:xfrm>
+          <a:off x="0" y="0"/>
+          <a:ext cx="0" cy="0"/>
+          <a:chOff x="0" y="0"/>
+          <a:chExt cx="0" cy="0"/>
+        </a:xfrm>
+      </p:grpSpPr>
+      <p:sp>
+        <p:nvSpPr>
+          <p:cNvPr id="2" name="Title 1"/>
+          <p:cNvSpPr>
+            <a:spLocks noGrp="1"/>
+          </p:cNvSpPr>
+          <p:nvPr>
+            <p:ph type="title"/>
+          </p:nvPr>
+        </p:nvSpPr>
+        <p:spPr/>
+        <p:txBody>
+          <a:bodyPr/>
+          <a:lstStyle/>
+          <a:p>
+            <a:r>
+              <a:rPr lang="en-US" dirty="0" smtClean="0"/>
+              <a:t>Styles and Layout	</a:t>
+            </a:r>
+            <a:endParaRPr lang="en-US" dirty="0"/>
+          </a:p>
+        </p:txBody>
+      </p:sp>
+      <p:sp>
+        <p:nvSpPr>
+          <p:cNvPr id="3" name="Content Placeholder 2"/>
+          <p:cNvSpPr>
+            <a:spLocks noGrp="1"/>
+          </p:cNvSpPr>
+          <p:nvPr>
+            <p:ph idx="1"/>
+          </p:nvPr>
+        </p:nvSpPr>
+        <p:spPr/>
+        <p:txBody>
+          <a:bodyPr/>
+          <a:lstStyle/>
+          <a:p>
+            <a:r>
+              <a:rPr lang="en-US" dirty="0" smtClean="0"/>
+              <a:t>Block Element Modifier (BEM) </a:t>
+            </a:r>
+          </a:p>
+          <a:p>
+            <a:pPr lvl="1"/>
+            <a:r>
+              <a:rPr lang="en-US" dirty="0" smtClean="0"/>
+              <a:t>Single class name, </a:t>
+            </a:r>
+            <a:r>
+              <a:rPr lang="en-US" dirty="0" err="1" smtClean="0"/>
+              <a:t>modulize</a:t>
+            </a:r>
+            <a:r>
+              <a:rPr lang="en-US" dirty="0" smtClean="0"/>
+              <a:t>, keep the selector matching simple</a:t>
+            </a:r>
+            <a:endParaRPr lang="en-US" dirty="0"/>
+          </a:p>
+          <a:p>
+            <a:pPr lvl="1"/>
+            <a:endParaRPr lang="en-US" dirty="0" smtClean="0"/>
+          </a:p>
+          <a:p>
+            <a:endParaRPr lang="en-US" dirty="0"/>
+          </a:p>
+        </p:txBody>
+      </p:sp>
+    </p:spTree>
+    <p:extLst>
+      <p:ext uri="{BB962C8B-B14F-4D97-AF65-F5344CB8AC3E}">
+        <p14:creationId xmlns:p14="http://schemas.microsoft.com/office/powerpoint/2010/main" val="352149094"/>
+      </p:ext>
+    </p:extLst>
+  </p:cSld>
+  <p:clrMapOvr>
+    <a:masterClrMapping/>
+  </p:clrMapOvr>
+</p:sld>
+</file>
+
+<file path=ppt/slides/slide19.xml><?xml version="1.0" encoding="utf-8"?>
+<p:sld xmlns:a="http://schemas.openxmlformats.org/drawingml/2006/main" xmlns:r="http://schemas.openxmlformats.org/officeDocument/2006/relationships" xmlns:p="http://schemas.openxmlformats.org/presentationml/2006/main">
+  <p:cSld>
+    <p:spTree>
+      <p:nvGrpSpPr>
+        <p:cNvPr id="1" name=""/>
+        <p:cNvGrpSpPr/>
+        <p:nvPr/>
+      </p:nvGrpSpPr>
+      <p:grpSpPr>
+        <a:xfrm>
+          <a:off x="0" y="0"/>
+          <a:ext cx="0" cy="0"/>
+          <a:chOff x="0" y="0"/>
+          <a:chExt cx="0" cy="0"/>
+        </a:xfrm>
+      </p:grpSpPr>
+      <p:sp>
+        <p:nvSpPr>
+          <p:cNvPr id="2" name="Title 1"/>
+          <p:cNvSpPr>
+            <a:spLocks noGrp="1"/>
+          </p:cNvSpPr>
+          <p:nvPr>
+            <p:ph type="title"/>
+          </p:nvPr>
+        </p:nvSpPr>
+        <p:spPr/>
+        <p:txBody>
+          <a:bodyPr/>
+          <a:lstStyle/>
+          <a:p>
+            <a:r>
+              <a:rPr lang="en-US" dirty="0" smtClean="0"/>
+              <a:t>Compositing and Painting</a:t>
+            </a:r>
+            <a:endParaRPr lang="en-US" dirty="0"/>
+          </a:p>
+        </p:txBody>
+      </p:sp>
+      <p:sp>
+        <p:nvSpPr>
+          <p:cNvPr id="3" name="Content Placeholder 2"/>
+          <p:cNvSpPr>
+            <a:spLocks noGrp="1"/>
+          </p:cNvSpPr>
+          <p:nvPr>
+            <p:ph idx="1"/>
+          </p:nvPr>
+        </p:nvSpPr>
+        <p:spPr/>
+        <p:txBody>
+          <a:bodyPr/>
+          <a:lstStyle/>
+          <a:p>
+            <a:endParaRPr lang="en-US" dirty="0"/>
+          </a:p>
+        </p:txBody>
+      </p:sp>
+    </p:spTree>
+    <p:extLst>
+      <p:ext uri="{BB962C8B-B14F-4D97-AF65-F5344CB8AC3E}">
+        <p14:creationId xmlns:p14="http://schemas.microsoft.com/office/powerpoint/2010/main" val="2518455266"/>
       </p:ext>
     </p:extLst>
   </p:cSld>
@@ -4406,6 +4769,13 @@
   <p:clrMapOvr>
     <a:masterClrMapping/>
   </p:clrMapOvr>
+  <p:timing>
+    <p:tnLst>
+      <p:par>
+        <p:cTn xmlns:p14="http://schemas.microsoft.com/office/powerpoint/2010/main" id="1" dur="indefinite" restart="never" nodeType="tmRoot"/>
+      </p:par>
+    </p:tnLst>
+  </p:timing>
 </p:sld>
 </file>
 
@@ -4614,6 +4984,13 @@
   <p:clrMapOvr>
     <a:masterClrMapping/>
   </p:clrMapOvr>
+  <p:timing>
+    <p:tnLst>
+      <p:par>
+        <p:cTn xmlns:p14="http://schemas.microsoft.com/office/powerpoint/2010/main" id="1" dur="indefinite" restart="never" nodeType="tmRoot"/>
+      </p:par>
+    </p:tnLst>
+  </p:timing>
 </p:sld>
 </file>
 
@@ -4735,6 +5112,13 @@
   <p:clrMapOvr>
     <a:masterClrMapping/>
   </p:clrMapOvr>
+  <p:timing>
+    <p:tnLst>
+      <p:par>
+        <p:cTn xmlns:p14="http://schemas.microsoft.com/office/powerpoint/2010/main" id="1" dur="indefinite" restart="never" nodeType="tmRoot"/>
+      </p:par>
+    </p:tnLst>
+  </p:timing>
 </p:sld>
 </file>
 
@@ -4992,6 +5376,13 @@
   <p:clrMapOvr>
     <a:masterClrMapping/>
   </p:clrMapOvr>
+  <p:timing>
+    <p:tnLst>
+      <p:par>
+        <p:cTn xmlns:p14="http://schemas.microsoft.com/office/powerpoint/2010/main" id="1" dur="indefinite" restart="never" nodeType="tmRoot"/>
+      </p:par>
+    </p:tnLst>
+  </p:timing>
 </p:sld>
 </file>
 
@@ -5211,6 +5602,13 @@
   <p:clrMapOvr>
     <a:masterClrMapping/>
   </p:clrMapOvr>
+  <p:timing>
+    <p:tnLst>
+      <p:par>
+        <p:cTn xmlns:p14="http://schemas.microsoft.com/office/powerpoint/2010/main" id="1" dur="indefinite" restart="never" nodeType="tmRoot"/>
+      </p:par>
+    </p:tnLst>
+  </p:timing>
 </p:sld>
 </file>
 
@@ -5362,6 +5760,13 @@
   <p:clrMapOvr>
     <a:masterClrMapping/>
   </p:clrMapOvr>
+  <p:timing>
+    <p:tnLst>
+      <p:par>
+        <p:cTn xmlns:p14="http://schemas.microsoft.com/office/powerpoint/2010/main" id="1" dur="indefinite" restart="never" nodeType="tmRoot"/>
+      </p:par>
+    </p:tnLst>
+  </p:timing>
 </p:sld>
 </file>
 
@@ -5461,6 +5866,13 @@
   <p:clrMapOvr>
     <a:masterClrMapping/>
   </p:clrMapOvr>
+  <p:timing>
+    <p:tnLst>
+      <p:par>
+        <p:cTn xmlns:p14="http://schemas.microsoft.com/office/powerpoint/2010/main" id="1" dur="indefinite" restart="never" nodeType="tmRoot"/>
+      </p:par>
+    </p:tnLst>
+  </p:timing>
 </p:sld>
 </file>
 
@@ -5543,6 +5955,13 @@
   <p:clrMapOvr>
     <a:masterClrMapping/>
   </p:clrMapOvr>
+  <p:timing>
+    <p:tnLst>
+      <p:par>
+        <p:cTn xmlns:p14="http://schemas.microsoft.com/office/powerpoint/2010/main" id="1" dur="indefinite" restart="never" nodeType="tmRoot"/>
+      </p:par>
+    </p:tnLst>
+  </p:timing>
 </p:sld>
 </file>
 

--- a/FE_P4/Techie_0224.pptx
+++ b/FE_P4/Techie_0224.pptx
@@ -4,6 +4,9 @@
   <p:sldMasterIdLst>
     <p:sldMasterId id="2147483648" r:id="rId1"/>
   </p:sldMasterIdLst>
+  <p:notesMasterIdLst>
+    <p:notesMasterId r:id="rId21"/>
+  </p:notesMasterIdLst>
   <p:sldIdLst>
     <p:sldId id="256" r:id="rId2"/>
     <p:sldId id="257" r:id="rId3"/>
@@ -123,6 +126,682 @@
     </a:lvl9pPr>
   </p:defaultTextStyle>
 </p:presentation>
+</file>
+
+<file path=ppt/notesMasters/notesMaster1.xml><?xml version="1.0" encoding="utf-8"?>
+<p:notesMaster xmlns:a="http://schemas.openxmlformats.org/drawingml/2006/main" xmlns:r="http://schemas.openxmlformats.org/officeDocument/2006/relationships" xmlns:p="http://schemas.openxmlformats.org/presentationml/2006/main">
+  <p:cSld>
+    <p:bg>
+      <p:bgRef idx="1001">
+        <a:schemeClr val="bg1"/>
+      </p:bgRef>
+    </p:bg>
+    <p:spTree>
+      <p:nvGrpSpPr>
+        <p:cNvPr id="1" name=""/>
+        <p:cNvGrpSpPr/>
+        <p:nvPr/>
+      </p:nvGrpSpPr>
+      <p:grpSpPr>
+        <a:xfrm>
+          <a:off x="0" y="0"/>
+          <a:ext cx="0" cy="0"/>
+          <a:chOff x="0" y="0"/>
+          <a:chExt cx="0" cy="0"/>
+        </a:xfrm>
+      </p:grpSpPr>
+      <p:sp>
+        <p:nvSpPr>
+          <p:cNvPr id="2" name="Header Placeholder 1"/>
+          <p:cNvSpPr>
+            <a:spLocks noGrp="1"/>
+          </p:cNvSpPr>
+          <p:nvPr>
+            <p:ph type="hdr" sz="quarter"/>
+          </p:nvPr>
+        </p:nvSpPr>
+        <p:spPr>
+          <a:xfrm>
+            <a:off x="0" y="0"/>
+            <a:ext cx="2971800" cy="457200"/>
+          </a:xfrm>
+          <a:prstGeom prst="rect">
+            <a:avLst/>
+          </a:prstGeom>
+        </p:spPr>
+        <p:txBody>
+          <a:bodyPr vert="horz" lIns="91440" tIns="45720" rIns="91440" bIns="45720" rtlCol="0"/>
+          <a:lstStyle>
+            <a:lvl1pPr algn="l">
+              <a:defRPr sz="1200"/>
+            </a:lvl1pPr>
+          </a:lstStyle>
+          <a:p>
+            <a:endParaRPr lang="en-US"/>
+          </a:p>
+        </p:txBody>
+      </p:sp>
+      <p:sp>
+        <p:nvSpPr>
+          <p:cNvPr id="3" name="Date Placeholder 2"/>
+          <p:cNvSpPr>
+            <a:spLocks noGrp="1"/>
+          </p:cNvSpPr>
+          <p:nvPr>
+            <p:ph type="dt" idx="1"/>
+          </p:nvPr>
+        </p:nvSpPr>
+        <p:spPr>
+          <a:xfrm>
+            <a:off x="3884613" y="0"/>
+            <a:ext cx="2971800" cy="457200"/>
+          </a:xfrm>
+          <a:prstGeom prst="rect">
+            <a:avLst/>
+          </a:prstGeom>
+        </p:spPr>
+        <p:txBody>
+          <a:bodyPr vert="horz" lIns="91440" tIns="45720" rIns="91440" bIns="45720" rtlCol="0"/>
+          <a:lstStyle>
+            <a:lvl1pPr algn="r">
+              <a:defRPr sz="1200"/>
+            </a:lvl1pPr>
+          </a:lstStyle>
+          <a:p>
+            <a:fld id="{4EBE31F7-ED50-0C4F-AFA7-0A0F17774568}" type="datetimeFigureOut">
+              <a:rPr lang="en-US" smtClean="0"/>
+              <a:t>2/24/16</a:t>
+            </a:fld>
+            <a:endParaRPr lang="en-US"/>
+          </a:p>
+        </p:txBody>
+      </p:sp>
+      <p:sp>
+        <p:nvSpPr>
+          <p:cNvPr id="4" name="Slide Image Placeholder 3"/>
+          <p:cNvSpPr>
+            <a:spLocks noGrp="1" noRot="1" noChangeAspect="1"/>
+          </p:cNvSpPr>
+          <p:nvPr>
+            <p:ph type="sldImg" idx="2"/>
+          </p:nvPr>
+        </p:nvSpPr>
+        <p:spPr>
+          <a:xfrm>
+            <a:off x="1143000" y="685800"/>
+            <a:ext cx="4572000" cy="3429000"/>
+          </a:xfrm>
+          <a:prstGeom prst="rect">
+            <a:avLst/>
+          </a:prstGeom>
+          <a:noFill/>
+          <a:ln w="12700">
+            <a:solidFill>
+              <a:prstClr val="black"/>
+            </a:solidFill>
+          </a:ln>
+        </p:spPr>
+        <p:txBody>
+          <a:bodyPr vert="horz" lIns="91440" tIns="45720" rIns="91440" bIns="45720" rtlCol="0" anchor="ctr"/>
+          <a:lstStyle/>
+          <a:p>
+            <a:endParaRPr lang="en-US"/>
+          </a:p>
+        </p:txBody>
+      </p:sp>
+      <p:sp>
+        <p:nvSpPr>
+          <p:cNvPr id="5" name="Notes Placeholder 4"/>
+          <p:cNvSpPr>
+            <a:spLocks noGrp="1"/>
+          </p:cNvSpPr>
+          <p:nvPr>
+            <p:ph type="body" sz="quarter" idx="3"/>
+          </p:nvPr>
+        </p:nvSpPr>
+        <p:spPr>
+          <a:xfrm>
+            <a:off x="685800" y="4343400"/>
+            <a:ext cx="5486400" cy="4114800"/>
+          </a:xfrm>
+          <a:prstGeom prst="rect">
+            <a:avLst/>
+          </a:prstGeom>
+        </p:spPr>
+        <p:txBody>
+          <a:bodyPr vert="horz" lIns="91440" tIns="45720" rIns="91440" bIns="45720" rtlCol="0"/>
+          <a:lstStyle/>
+          <a:p>
+            <a:pPr lvl="0"/>
+            <a:r>
+              <a:rPr lang="en-US" smtClean="0"/>
+              <a:t>Click to edit Master text styles</a:t>
+            </a:r>
+          </a:p>
+          <a:p>
+            <a:pPr lvl="1"/>
+            <a:r>
+              <a:rPr lang="en-US" smtClean="0"/>
+              <a:t>Second level</a:t>
+            </a:r>
+          </a:p>
+          <a:p>
+            <a:pPr lvl="2"/>
+            <a:r>
+              <a:rPr lang="en-US" smtClean="0"/>
+              <a:t>Third level</a:t>
+            </a:r>
+          </a:p>
+          <a:p>
+            <a:pPr lvl="3"/>
+            <a:r>
+              <a:rPr lang="en-US" smtClean="0"/>
+              <a:t>Fourth level</a:t>
+            </a:r>
+          </a:p>
+          <a:p>
+            <a:pPr lvl="4"/>
+            <a:r>
+              <a:rPr lang="en-US" smtClean="0"/>
+              <a:t>Fifth level</a:t>
+            </a:r>
+            <a:endParaRPr lang="en-US"/>
+          </a:p>
+        </p:txBody>
+      </p:sp>
+      <p:sp>
+        <p:nvSpPr>
+          <p:cNvPr id="6" name="Footer Placeholder 5"/>
+          <p:cNvSpPr>
+            <a:spLocks noGrp="1"/>
+          </p:cNvSpPr>
+          <p:nvPr>
+            <p:ph type="ftr" sz="quarter" idx="4"/>
+          </p:nvPr>
+        </p:nvSpPr>
+        <p:spPr>
+          <a:xfrm>
+            <a:off x="0" y="8685213"/>
+            <a:ext cx="2971800" cy="457200"/>
+          </a:xfrm>
+          <a:prstGeom prst="rect">
+            <a:avLst/>
+          </a:prstGeom>
+        </p:spPr>
+        <p:txBody>
+          <a:bodyPr vert="horz" lIns="91440" tIns="45720" rIns="91440" bIns="45720" rtlCol="0" anchor="b"/>
+          <a:lstStyle>
+            <a:lvl1pPr algn="l">
+              <a:defRPr sz="1200"/>
+            </a:lvl1pPr>
+          </a:lstStyle>
+          <a:p>
+            <a:endParaRPr lang="en-US"/>
+          </a:p>
+        </p:txBody>
+      </p:sp>
+      <p:sp>
+        <p:nvSpPr>
+          <p:cNvPr id="7" name="Slide Number Placeholder 6"/>
+          <p:cNvSpPr>
+            <a:spLocks noGrp="1"/>
+          </p:cNvSpPr>
+          <p:nvPr>
+            <p:ph type="sldNum" sz="quarter" idx="5"/>
+          </p:nvPr>
+        </p:nvSpPr>
+        <p:spPr>
+          <a:xfrm>
+            <a:off x="3884613" y="8685213"/>
+            <a:ext cx="2971800" cy="457200"/>
+          </a:xfrm>
+          <a:prstGeom prst="rect">
+            <a:avLst/>
+          </a:prstGeom>
+        </p:spPr>
+        <p:txBody>
+          <a:bodyPr vert="horz" lIns="91440" tIns="45720" rIns="91440" bIns="45720" rtlCol="0" anchor="b"/>
+          <a:lstStyle>
+            <a:lvl1pPr algn="r">
+              <a:defRPr sz="1200"/>
+            </a:lvl1pPr>
+          </a:lstStyle>
+          <a:p>
+            <a:fld id="{DB40FAD2-B504-804D-97F4-69BB9EC26929}" type="slidenum">
+              <a:rPr lang="en-US" smtClean="0"/>
+              <a:t>‹#›</a:t>
+            </a:fld>
+            <a:endParaRPr lang="en-US"/>
+          </a:p>
+        </p:txBody>
+      </p:sp>
+    </p:spTree>
+    <p:extLst>
+      <p:ext uri="{BB962C8B-B14F-4D97-AF65-F5344CB8AC3E}">
+        <p14:creationId xmlns:p14="http://schemas.microsoft.com/office/powerpoint/2010/main" val="2426162601"/>
+      </p:ext>
+    </p:extLst>
+  </p:cSld>
+  <p:clrMap bg1="lt1" tx1="dk1" bg2="lt2" tx2="dk2" accent1="accent1" accent2="accent2" accent3="accent3" accent4="accent4" accent5="accent5" accent6="accent6" hlink="hlink" folHlink="folHlink"/>
+  <p:notesStyle>
+    <a:lvl1pPr marL="0" algn="l" defTabSz="457200" rtl="0" eaLnBrk="1" latinLnBrk="0" hangingPunct="1">
+      <a:defRPr sz="1200" kern="1200">
+        <a:solidFill>
+          <a:schemeClr val="tx1"/>
+        </a:solidFill>
+        <a:latin typeface="+mn-lt"/>
+        <a:ea typeface="+mn-ea"/>
+        <a:cs typeface="+mn-cs"/>
+      </a:defRPr>
+    </a:lvl1pPr>
+    <a:lvl2pPr marL="457200" algn="l" defTabSz="457200" rtl="0" eaLnBrk="1" latinLnBrk="0" hangingPunct="1">
+      <a:defRPr sz="1200" kern="1200">
+        <a:solidFill>
+          <a:schemeClr val="tx1"/>
+        </a:solidFill>
+        <a:latin typeface="+mn-lt"/>
+        <a:ea typeface="+mn-ea"/>
+        <a:cs typeface="+mn-cs"/>
+      </a:defRPr>
+    </a:lvl2pPr>
+    <a:lvl3pPr marL="914400" algn="l" defTabSz="457200" rtl="0" eaLnBrk="1" latinLnBrk="0" hangingPunct="1">
+      <a:defRPr sz="1200" kern="1200">
+        <a:solidFill>
+          <a:schemeClr val="tx1"/>
+        </a:solidFill>
+        <a:latin typeface="+mn-lt"/>
+        <a:ea typeface="+mn-ea"/>
+        <a:cs typeface="+mn-cs"/>
+      </a:defRPr>
+    </a:lvl3pPr>
+    <a:lvl4pPr marL="1371600" algn="l" defTabSz="457200" rtl="0" eaLnBrk="1" latinLnBrk="0" hangingPunct="1">
+      <a:defRPr sz="1200" kern="1200">
+        <a:solidFill>
+          <a:schemeClr val="tx1"/>
+        </a:solidFill>
+        <a:latin typeface="+mn-lt"/>
+        <a:ea typeface="+mn-ea"/>
+        <a:cs typeface="+mn-cs"/>
+      </a:defRPr>
+    </a:lvl4pPr>
+    <a:lvl5pPr marL="1828800" algn="l" defTabSz="457200" rtl="0" eaLnBrk="1" latinLnBrk="0" hangingPunct="1">
+      <a:defRPr sz="1200" kern="1200">
+        <a:solidFill>
+          <a:schemeClr val="tx1"/>
+        </a:solidFill>
+        <a:latin typeface="+mn-lt"/>
+        <a:ea typeface="+mn-ea"/>
+        <a:cs typeface="+mn-cs"/>
+      </a:defRPr>
+    </a:lvl5pPr>
+    <a:lvl6pPr marL="2286000" algn="l" defTabSz="457200" rtl="0" eaLnBrk="1" latinLnBrk="0" hangingPunct="1">
+      <a:defRPr sz="1200" kern="1200">
+        <a:solidFill>
+          <a:schemeClr val="tx1"/>
+        </a:solidFill>
+        <a:latin typeface="+mn-lt"/>
+        <a:ea typeface="+mn-ea"/>
+        <a:cs typeface="+mn-cs"/>
+      </a:defRPr>
+    </a:lvl6pPr>
+    <a:lvl7pPr marL="2743200" algn="l" defTabSz="457200" rtl="0" eaLnBrk="1" latinLnBrk="0" hangingPunct="1">
+      <a:defRPr sz="1200" kern="1200">
+        <a:solidFill>
+          <a:schemeClr val="tx1"/>
+        </a:solidFill>
+        <a:latin typeface="+mn-lt"/>
+        <a:ea typeface="+mn-ea"/>
+        <a:cs typeface="+mn-cs"/>
+      </a:defRPr>
+    </a:lvl7pPr>
+    <a:lvl8pPr marL="3200400" algn="l" defTabSz="457200" rtl="0" eaLnBrk="1" latinLnBrk="0" hangingPunct="1">
+      <a:defRPr sz="1200" kern="1200">
+        <a:solidFill>
+          <a:schemeClr val="tx1"/>
+        </a:solidFill>
+        <a:latin typeface="+mn-lt"/>
+        <a:ea typeface="+mn-ea"/>
+        <a:cs typeface="+mn-cs"/>
+      </a:defRPr>
+    </a:lvl8pPr>
+    <a:lvl9pPr marL="3657600" algn="l" defTabSz="457200" rtl="0" eaLnBrk="1" latinLnBrk="0" hangingPunct="1">
+      <a:defRPr sz="1200" kern="1200">
+        <a:solidFill>
+          <a:schemeClr val="tx1"/>
+        </a:solidFill>
+        <a:latin typeface="+mn-lt"/>
+        <a:ea typeface="+mn-ea"/>
+        <a:cs typeface="+mn-cs"/>
+      </a:defRPr>
+    </a:lvl9pPr>
+  </p:notesStyle>
+</p:notesMaster>
+</file>
+
+<file path=ppt/notesSlides/notesSlide1.xml><?xml version="1.0" encoding="utf-8"?>
+<p:notes xmlns:a="http://schemas.openxmlformats.org/drawingml/2006/main" xmlns:r="http://schemas.openxmlformats.org/officeDocument/2006/relationships" xmlns:p="http://schemas.openxmlformats.org/presentationml/2006/main">
+  <p:cSld>
+    <p:spTree>
+      <p:nvGrpSpPr>
+        <p:cNvPr id="1" name=""/>
+        <p:cNvGrpSpPr/>
+        <p:nvPr/>
+      </p:nvGrpSpPr>
+      <p:grpSpPr>
+        <a:xfrm>
+          <a:off x="0" y="0"/>
+          <a:ext cx="0" cy="0"/>
+          <a:chOff x="0" y="0"/>
+          <a:chExt cx="0" cy="0"/>
+        </a:xfrm>
+      </p:grpSpPr>
+      <p:sp>
+        <p:nvSpPr>
+          <p:cNvPr id="2" name="Slide Image Placeholder 1"/>
+          <p:cNvSpPr>
+            <a:spLocks noGrp="1" noRot="1" noChangeAspect="1"/>
+          </p:cNvSpPr>
+          <p:nvPr>
+            <p:ph type="sldImg"/>
+          </p:nvPr>
+        </p:nvSpPr>
+        <p:spPr/>
+      </p:sp>
+      <p:sp>
+        <p:nvSpPr>
+          <p:cNvPr id="3" name="Notes Placeholder 2"/>
+          <p:cNvSpPr>
+            <a:spLocks noGrp="1"/>
+          </p:cNvSpPr>
+          <p:nvPr>
+            <p:ph type="body" idx="1"/>
+          </p:nvPr>
+        </p:nvSpPr>
+        <p:spPr/>
+        <p:txBody>
+          <a:bodyPr/>
+          <a:lstStyle/>
+          <a:p>
+            <a:r>
+              <a:rPr lang="en-US" sz="1200" b="1" kern="1200" dirty="0" smtClean="0">
+                <a:solidFill>
+                  <a:schemeClr val="tx1"/>
+                </a:solidFill>
+                <a:effectLst/>
+                <a:latin typeface="+mn-lt"/>
+                <a:ea typeface="+mn-ea"/>
+                <a:cs typeface="+mn-cs"/>
+              </a:rPr>
+              <a:t>The Problem: JavaScript Concurrency [order-independent]</a:t>
+            </a:r>
+            <a:endParaRPr lang="en-US" sz="1200" kern="1200" dirty="0" smtClean="0">
+              <a:solidFill>
+                <a:schemeClr val="tx1"/>
+              </a:solidFill>
+              <a:effectLst/>
+              <a:latin typeface="+mn-lt"/>
+              <a:ea typeface="+mn-ea"/>
+              <a:cs typeface="+mn-cs"/>
+            </a:endParaRPr>
+          </a:p>
+          <a:p>
+            <a:r>
+              <a:rPr lang="en-US" sz="1200" kern="1200" dirty="0" smtClean="0">
+                <a:solidFill>
+                  <a:schemeClr val="tx1"/>
+                </a:solidFill>
+                <a:effectLst/>
+                <a:latin typeface="+mn-lt"/>
+                <a:ea typeface="+mn-ea"/>
+                <a:cs typeface="+mn-cs"/>
+              </a:rPr>
+              <a:t>There are a number of bottlenecks preventing interesting applications from being ported (say, from server-heavy implementations) to client-side JavaScript. Some of these include browser compatibility, static typing, accessibility, and performance. Fortunately, the latter is quickly becoming a thing of the past as browser vendors rapidly improve the speed of their JavaScript engines.</a:t>
+            </a:r>
+          </a:p>
+          <a:p>
+            <a:r>
+              <a:rPr lang="en-US" sz="1200" b="1" kern="1200" dirty="0" smtClean="0">
+                <a:solidFill>
+                  <a:schemeClr val="tx1"/>
+                </a:solidFill>
+                <a:effectLst/>
+                <a:latin typeface="+mn-lt"/>
+                <a:ea typeface="+mn-ea"/>
+                <a:cs typeface="+mn-cs"/>
+              </a:rPr>
+              <a:t>One thing that's remained a hindrance for JavaScript is actually the language itself. JavaScript is a single-threaded environment, meaning multiple scripts cannot run at the same time. </a:t>
+            </a:r>
+            <a:r>
+              <a:rPr lang="en-US" sz="1200" kern="1200" dirty="0" smtClean="0">
+                <a:solidFill>
+                  <a:schemeClr val="tx1"/>
+                </a:solidFill>
+                <a:effectLst/>
+                <a:latin typeface="+mn-lt"/>
+                <a:ea typeface="+mn-ea"/>
+                <a:cs typeface="+mn-cs"/>
+              </a:rPr>
+              <a:t>As an example, imagine a site that needs to handle UI events, query and process large amounts of API data, and manipulate the DOM. Pretty common, right? Unfortunately all of that can't be simultaneous due to limitations in browsers' JavaScript runtime. Script execution happens within a single thread.</a:t>
+            </a:r>
+          </a:p>
+          <a:p>
+            <a:r>
+              <a:rPr lang="en-US" sz="1200" kern="1200" dirty="0" smtClean="0">
+                <a:solidFill>
+                  <a:schemeClr val="tx1"/>
+                </a:solidFill>
+                <a:effectLst/>
+                <a:latin typeface="+mn-lt"/>
+                <a:ea typeface="+mn-ea"/>
+                <a:cs typeface="+mn-cs"/>
+              </a:rPr>
+              <a:t>Developers mimic 'concurrency' by using techniques like </a:t>
+            </a:r>
+            <a:r>
+              <a:rPr lang="en-US" sz="1200" kern="1200" dirty="0" err="1" smtClean="0">
+                <a:solidFill>
+                  <a:schemeClr val="tx1"/>
+                </a:solidFill>
+                <a:effectLst/>
+                <a:latin typeface="+mn-lt"/>
+                <a:ea typeface="+mn-ea"/>
+                <a:cs typeface="+mn-cs"/>
+              </a:rPr>
+              <a:t>setTimeout</a:t>
+            </a:r>
+            <a:r>
+              <a:rPr lang="en-US" sz="1200" kern="1200" dirty="0" smtClean="0">
+                <a:solidFill>
+                  <a:schemeClr val="tx1"/>
+                </a:solidFill>
+                <a:effectLst/>
+                <a:latin typeface="+mn-lt"/>
+                <a:ea typeface="+mn-ea"/>
+                <a:cs typeface="+mn-cs"/>
+              </a:rPr>
+              <a:t>(),</a:t>
+            </a:r>
+            <a:r>
+              <a:rPr lang="en-US" sz="1200" kern="1200" dirty="0" err="1" smtClean="0">
+                <a:solidFill>
+                  <a:schemeClr val="tx1"/>
+                </a:solidFill>
+                <a:effectLst/>
+                <a:latin typeface="+mn-lt"/>
+                <a:ea typeface="+mn-ea"/>
+                <a:cs typeface="+mn-cs"/>
+              </a:rPr>
+              <a:t>setInterval</a:t>
+            </a:r>
+            <a:r>
+              <a:rPr lang="en-US" sz="1200" kern="1200" dirty="0" smtClean="0">
+                <a:solidFill>
+                  <a:schemeClr val="tx1"/>
+                </a:solidFill>
+                <a:effectLst/>
+                <a:latin typeface="+mn-lt"/>
+                <a:ea typeface="+mn-ea"/>
+                <a:cs typeface="+mn-cs"/>
+              </a:rPr>
+              <a:t>(), </a:t>
+            </a:r>
+            <a:r>
+              <a:rPr lang="en-US" sz="1200" kern="1200" dirty="0" err="1" smtClean="0">
+                <a:solidFill>
+                  <a:schemeClr val="tx1"/>
+                </a:solidFill>
+                <a:effectLst/>
+                <a:latin typeface="+mn-lt"/>
+                <a:ea typeface="+mn-ea"/>
+                <a:cs typeface="+mn-cs"/>
+              </a:rPr>
+              <a:t>XMLHttpRequest</a:t>
+            </a:r>
+            <a:r>
+              <a:rPr lang="en-US" sz="1200" kern="1200" dirty="0" smtClean="0">
+                <a:solidFill>
+                  <a:schemeClr val="tx1"/>
+                </a:solidFill>
+                <a:effectLst/>
+                <a:latin typeface="+mn-lt"/>
+                <a:ea typeface="+mn-ea"/>
+                <a:cs typeface="+mn-cs"/>
+              </a:rPr>
+              <a:t>, and event handlers. Yes, all of these features run asynchronously, but non-blocking doesn't necessarily mean concurrency. Asynchronous events are processed after the current executing script has yielded. The good news is that HTML5 gives us something better than these hacks!</a:t>
+            </a:r>
+          </a:p>
+          <a:p>
+            <a:r>
+              <a:rPr lang="en-US" sz="1200" b="1" kern="1200" dirty="0" smtClean="0">
+                <a:solidFill>
+                  <a:schemeClr val="tx1"/>
+                </a:solidFill>
+                <a:effectLst/>
+                <a:latin typeface="+mn-lt"/>
+                <a:ea typeface="+mn-ea"/>
+                <a:cs typeface="+mn-cs"/>
+              </a:rPr>
+              <a:t>Introducing Web Workers: Bring Threading to JavaScript</a:t>
+            </a:r>
+            <a:endParaRPr lang="en-US" sz="1200" kern="1200" dirty="0" smtClean="0">
+              <a:solidFill>
+                <a:schemeClr val="tx1"/>
+              </a:solidFill>
+              <a:effectLst/>
+              <a:latin typeface="+mn-lt"/>
+              <a:ea typeface="+mn-ea"/>
+              <a:cs typeface="+mn-cs"/>
+            </a:endParaRPr>
+          </a:p>
+          <a:p>
+            <a:r>
+              <a:rPr lang="en-US" sz="1200" kern="1200" dirty="0" smtClean="0">
+                <a:solidFill>
+                  <a:schemeClr val="tx1"/>
+                </a:solidFill>
+                <a:effectLst/>
+                <a:latin typeface="+mn-lt"/>
+                <a:ea typeface="+mn-ea"/>
+                <a:cs typeface="+mn-cs"/>
+              </a:rPr>
+              <a:t>The </a:t>
+            </a:r>
+            <a:r>
+              <a:rPr lang="en-US" sz="1200" kern="1200" dirty="0" smtClean="0">
+                <a:solidFill>
+                  <a:schemeClr val="tx1"/>
+                </a:solidFill>
+                <a:effectLst/>
+                <a:latin typeface="+mn-lt"/>
+                <a:ea typeface="+mn-ea"/>
+                <a:cs typeface="+mn-cs"/>
+                <a:hlinkClick r:id="rId3"/>
+              </a:rPr>
+              <a:t>Web Workers</a:t>
+            </a:r>
+            <a:r>
+              <a:rPr lang="en-US" sz="1200" kern="1200" dirty="0" smtClean="0">
+                <a:solidFill>
+                  <a:schemeClr val="tx1"/>
+                </a:solidFill>
+                <a:effectLst/>
+                <a:latin typeface="+mn-lt"/>
+                <a:ea typeface="+mn-ea"/>
+                <a:cs typeface="+mn-cs"/>
+              </a:rPr>
+              <a:t> specification defines an API for spawning background scripts in your web application. Web Workers allow you to do things like fire up long-running scripts to handle computationally intensive tasks, but without blocking the UI or other scripts to handle user interactions. </a:t>
+            </a:r>
+            <a:r>
+              <a:rPr lang="en-US" sz="1200" kern="1200" smtClean="0">
+                <a:solidFill>
+                  <a:schemeClr val="tx1"/>
+                </a:solidFill>
+                <a:effectLst/>
+                <a:latin typeface="+mn-lt"/>
+                <a:ea typeface="+mn-ea"/>
+                <a:cs typeface="+mn-cs"/>
+              </a:rPr>
+              <a:t>They're going to help put and end to that nasty 'unresponsive script' dialog that we've all come to love:</a:t>
+            </a:r>
+          </a:p>
+          <a:p>
+            <a:endParaRPr lang="en-US" smtClean="0"/>
+          </a:p>
+          <a:p>
+            <a:r>
+              <a:rPr lang="en-US" dirty="0" smtClean="0"/>
+              <a:t>Long</a:t>
+            </a:r>
+            <a:r>
+              <a:rPr lang="en-US" baseline="0" dirty="0" smtClean="0"/>
+              <a:t> running code that doesn’t create any </a:t>
+            </a:r>
+            <a:r>
+              <a:rPr lang="en-US" baseline="0" dirty="0" err="1" smtClean="0"/>
+              <a:t>jank</a:t>
+            </a:r>
+            <a:r>
+              <a:rPr lang="en-US" baseline="0" dirty="0" smtClean="0"/>
+              <a:t> to the main thread</a:t>
+            </a:r>
+            <a:endParaRPr lang="en-US" dirty="0"/>
+          </a:p>
+        </p:txBody>
+      </p:sp>
+      <p:sp>
+        <p:nvSpPr>
+          <p:cNvPr id="4" name="Slide Number Placeholder 3"/>
+          <p:cNvSpPr>
+            <a:spLocks noGrp="1"/>
+          </p:cNvSpPr>
+          <p:nvPr>
+            <p:ph type="sldNum" sz="quarter" idx="10"/>
+          </p:nvPr>
+        </p:nvSpPr>
+        <p:spPr/>
+        <p:txBody>
+          <a:bodyPr/>
+          <a:lstStyle/>
+          <a:p>
+            <a:fld id="{DB40FAD2-B504-804D-97F4-69BB9EC26929}" type="slidenum">
+              <a:rPr lang="en-US" smtClean="0"/>
+              <a:t>16</a:t>
+            </a:fld>
+            <a:endParaRPr lang="en-US"/>
+          </a:p>
+        </p:txBody>
+      </p:sp>
+    </p:spTree>
+    <p:extLst>
+      <p:ext uri="{BB962C8B-B14F-4D97-AF65-F5344CB8AC3E}">
+        <p14:creationId xmlns:p14="http://schemas.microsoft.com/office/powerpoint/2010/main" val="2132618288"/>
+      </p:ext>
+    </p:extLst>
+  </p:cSld>
+  <p:clrMapOvr>
+    <a:masterClrMapping/>
+  </p:clrMapOvr>
+</p:notes>
 </file>
 
 <file path=ppt/slideLayouts/slideLayout1.xml><?xml version="1.0" encoding="utf-8"?>
@@ -3914,15 +4593,7 @@
           <a:p>
             <a:r>
               <a:rPr lang="en-US" dirty="0" smtClean="0"/>
-              <a:t>Focus on the </a:t>
-            </a:r>
-            <a:r>
-              <a:rPr lang="en-US" dirty="0" smtClean="0"/>
-              <a:t>cause </a:t>
-            </a:r>
-            <a:r>
-              <a:rPr lang="en-US" dirty="0" smtClean="0"/>
-              <a:t>of bottlenecks, not symptoms</a:t>
+              <a:t>Focus on the cause of bottlenecks, not symptoms</a:t>
             </a:r>
           </a:p>
           <a:p>
@@ -4028,7 +4699,7 @@
         <p:spPr/>
         <p:txBody>
           <a:bodyPr>
-            <a:normAutofit fontScale="77500" lnSpcReduction="20000"/>
+            <a:normAutofit fontScale="92500" lnSpcReduction="10000"/>
           </a:bodyPr>
           <a:lstStyle/>
           <a:p>
@@ -4044,16 +4715,22 @@
           <a:p>
             <a:r>
               <a:rPr lang="en-US" dirty="0" smtClean="0"/>
-              <a:t>The Code you wrote may not be the code runs</a:t>
-            </a:r>
-          </a:p>
-          <a:p>
-            <a:pPr marL="0" indent="0">
-              <a:buNone/>
-            </a:pPr>
-            <a:r>
-              <a:rPr lang="en-US" dirty="0" smtClean="0"/>
-              <a:t> Just In Time compiler (JIT) very complicated engine</a:t>
+              <a:t>The Code you wrote may not be the code </a:t>
+            </a:r>
+            <a:r>
+              <a:rPr lang="en-US" dirty="0" smtClean="0"/>
+              <a:t>runs</a:t>
+            </a:r>
+          </a:p>
+          <a:p>
+            <a:pPr lvl="1"/>
+            <a:r>
+              <a:rPr lang="en-US" dirty="0" smtClean="0"/>
+              <a:t>Just </a:t>
+            </a:r>
+            <a:r>
+              <a:rPr lang="en-US" dirty="0" smtClean="0"/>
+              <a:t>In Time compiler (JIT) very complicated engine</a:t>
             </a:r>
             <a:r>
               <a:rPr lang="en-US" dirty="0"/>
@@ -4061,24 +4738,21 @@
             </a:r>
             <a:r>
               <a:rPr lang="en-US" dirty="0" smtClean="0"/>
-              <a:t>to make the code run fast</a:t>
-            </a:r>
-          </a:p>
-          <a:p>
-            <a:r>
-              <a:rPr lang="en-US" dirty="0" smtClean="0"/>
-              <a:t>Micro-optimizations: for loop or while loop[don’t delve into this] you can do plenty of other things</a:t>
-            </a:r>
-          </a:p>
-          <a:p>
-            <a:r>
-              <a:rPr lang="en-US" dirty="0"/>
-              <a:t>RAIL [ 100ms, 10ms, 50ms, 1000ms</a:t>
-            </a:r>
-            <a:r>
-              <a:rPr lang="en-US" dirty="0" smtClean="0"/>
-              <a:t>]</a:t>
-            </a:r>
+              <a:t>to </a:t>
+            </a:r>
+            <a:r>
+              <a:rPr lang="en-US" dirty="0" smtClean="0"/>
+              <a:t>make </a:t>
+            </a:r>
+            <a:r>
+              <a:rPr lang="en-US" dirty="0" smtClean="0"/>
+              <a:t>the code run </a:t>
+            </a:r>
+            <a:r>
+              <a:rPr lang="en-US" dirty="0" smtClean="0"/>
+              <a:t>fast</a:t>
+            </a:r>
+            <a:endParaRPr lang="en-US" dirty="0" smtClean="0"/>
           </a:p>
           <a:p>
             <a:pPr lvl="1"/>
@@ -4339,13 +5013,17 @@
           <a:p>
             <a:r>
               <a:rPr lang="en-US" sz="2400" dirty="0" smtClean="0"/>
-              <a:t>Bring Thread to JavaScript</a:t>
-            </a:r>
-          </a:p>
-          <a:p>
+              <a:t>Two </a:t>
+            </a:r>
             <a:r>
               <a:rPr lang="en-US" sz="2400" dirty="0" smtClean="0"/>
-              <a:t>Two types: Dedicated Workers and Shared Workers</a:t>
+              <a:t>types: Dedicated Workers and Shared Workers</a:t>
+            </a:r>
+          </a:p>
+          <a:p>
+            <a:r>
+              <a:rPr lang="en-US" sz="2400" dirty="0" smtClean="0"/>
+              <a:t>Interface to script to run in the background, different scope, different thread, won’t affect, or be affected by other thread</a:t>
             </a:r>
           </a:p>
           <a:p>
@@ -4407,6 +5085,29 @@
           </a:p>
         </p:txBody>
       </p:sp>
+      <p:pic>
+        <p:nvPicPr>
+          <p:cNvPr id="5" name="Picture 4"/>
+          <p:cNvPicPr>
+            <a:picLocks noChangeAspect="1"/>
+          </p:cNvPicPr>
+          <p:nvPr/>
+        </p:nvPicPr>
+        <p:blipFill rotWithShape="1">
+          <a:blip r:embed="rId3"/>
+          <a:srcRect l="8220" t="12901" r="7741" b="10690"/>
+          <a:stretch/>
+        </p:blipFill>
+        <p:spPr>
+          <a:xfrm>
+            <a:off x="1736468" y="3370599"/>
+            <a:ext cx="4626265" cy="2628936"/>
+          </a:xfrm>
+          <a:prstGeom prst="rect">
+            <a:avLst/>
+          </a:prstGeom>
+        </p:spPr>
+      </p:pic>
     </p:spTree>
     <p:extLst>
       <p:ext uri="{BB962C8B-B14F-4D97-AF65-F5344CB8AC3E}">
@@ -4459,7 +5160,11 @@
           <a:bodyPr/>
           <a:lstStyle/>
           <a:p>
-            <a:endParaRPr lang="en-US"/>
+            <a:r>
+              <a:rPr lang="en-US" dirty="0" smtClean="0"/>
+              <a:t>JS is GC</a:t>
+            </a:r>
+            <a:endParaRPr lang="en-US" dirty="0"/>
           </a:p>
         </p:txBody>
       </p:sp>
@@ -4480,8 +5185,17 @@
           <a:p>
             <a:r>
               <a:rPr lang="en-US" dirty="0" smtClean="0"/>
-              <a:t>JavaScript engine handles garbage collection</a:t>
-            </a:r>
+              <a:t>JavaScript is Garbage collected</a:t>
+            </a:r>
+          </a:p>
+          <a:p>
+            <a:r>
+              <a:rPr lang="en-US" dirty="0" smtClean="0"/>
+              <a:t>Once the GC is running, nothing is running</a:t>
+            </a:r>
+          </a:p>
+          <a:p>
+            <a:endParaRPr lang="en-US" dirty="0" smtClean="0"/>
           </a:p>
           <a:p>
             <a:endParaRPr lang="en-US" dirty="0"/>
@@ -6283,4 +6997,324 @@
   </a:objectDefaults>
   <a:extraClrSchemeLst/>
 </a:theme>
+</file>
+
+<file path=ppt/theme/theme2.xml><?xml version="1.0" encoding="utf-8"?>
+<a:theme xmlns:a="http://schemas.openxmlformats.org/drawingml/2006/main" name="Office Theme">
+  <a:themeElements>
+    <a:clrScheme name="Office">
+      <a:dk1>
+        <a:sysClr val="windowText" lastClr="000000"/>
+      </a:dk1>
+      <a:lt1>
+        <a:sysClr val="window" lastClr="FFFFFF"/>
+      </a:lt1>
+      <a:dk2>
+        <a:srgbClr val="1F497D"/>
+      </a:dk2>
+      <a:lt2>
+        <a:srgbClr val="EEECE1"/>
+      </a:lt2>
+      <a:accent1>
+        <a:srgbClr val="4F81BD"/>
+      </a:accent1>
+      <a:accent2>
+        <a:srgbClr val="C0504D"/>
+      </a:accent2>
+      <a:accent3>
+        <a:srgbClr val="9BBB59"/>
+      </a:accent3>
+      <a:accent4>
+        <a:srgbClr val="8064A2"/>
+      </a:accent4>
+      <a:accent5>
+        <a:srgbClr val="4BACC6"/>
+      </a:accent5>
+      <a:accent6>
+        <a:srgbClr val="F79646"/>
+      </a:accent6>
+      <a:hlink>
+        <a:srgbClr val="0000FF"/>
+      </a:hlink>
+      <a:folHlink>
+        <a:srgbClr val="800080"/>
+      </a:folHlink>
+    </a:clrScheme>
+    <a:fontScheme name="Office">
+      <a:majorFont>
+        <a:latin typeface="Calibri"/>
+        <a:ea typeface=""/>
+        <a:cs typeface=""/>
+        <a:font script="Jpan" typeface="ＭＳ Ｐゴシック"/>
+        <a:font script="Hang" typeface="맑은 고딕"/>
+        <a:font script="Hans" typeface="宋体"/>
+        <a:font script="Hant" typeface="新細明體"/>
+        <a:font script="Arab" typeface="Times New Roman"/>
+        <a:font script="Hebr" typeface="Times New Roman"/>
+        <a:font script="Thai" typeface="Angsana New"/>
+        <a:font script="Ethi" typeface="Nyala"/>
+        <a:font script="Beng" typeface="Vrinda"/>
+        <a:font script="Gujr" typeface="Shruti"/>
+        <a:font script="Khmr" typeface="MoolBoran"/>
+        <a:font script="Knda" typeface="Tunga"/>
+        <a:font script="Guru" typeface="Raavi"/>
+        <a:font script="Cans" typeface="Euphemia"/>
+        <a:font script="Cher" typeface="Plantagenet Cherokee"/>
+        <a:font script="Yiii" typeface="Microsoft Yi Baiti"/>
+        <a:font script="Tibt" typeface="Microsoft Himalaya"/>
+        <a:font script="Thaa" typeface="MV Boli"/>
+        <a:font script="Deva" typeface="Mangal"/>
+        <a:font script="Telu" typeface="Gautami"/>
+        <a:font script="Taml" typeface="Latha"/>
+        <a:font script="Syrc" typeface="Estrangelo Edessa"/>
+        <a:font script="Orya" typeface="Kalinga"/>
+        <a:font script="Mlym" typeface="Kartika"/>
+        <a:font script="Laoo" typeface="DokChampa"/>
+        <a:font script="Sinh" typeface="Iskoola Pota"/>
+        <a:font script="Mong" typeface="Mongolian Baiti"/>
+        <a:font script="Viet" typeface="Times New Roman"/>
+        <a:font script="Uigh" typeface="Microsoft Uighur"/>
+        <a:font script="Geor" typeface="Sylfaen"/>
+      </a:majorFont>
+      <a:minorFont>
+        <a:latin typeface="Calibri"/>
+        <a:ea typeface=""/>
+        <a:cs typeface=""/>
+        <a:font script="Jpan" typeface="ＭＳ Ｐゴシック"/>
+        <a:font script="Hang" typeface="맑은 고딕"/>
+        <a:font script="Hans" typeface="宋体"/>
+        <a:font script="Hant" typeface="新細明體"/>
+        <a:font script="Arab" typeface="Arial"/>
+        <a:font script="Hebr" typeface="Arial"/>
+        <a:font script="Thai" typeface="Cordia New"/>
+        <a:font script="Ethi" typeface="Nyala"/>
+        <a:font script="Beng" typeface="Vrinda"/>
+        <a:font script="Gujr" typeface="Shruti"/>
+        <a:font script="Khmr" typeface="DaunPenh"/>
+        <a:font script="Knda" typeface="Tunga"/>
+        <a:font script="Guru" typeface="Raavi"/>
+        <a:font script="Cans" typeface="Euphemia"/>
+        <a:font script="Cher" typeface="Plantagenet Cherokee"/>
+        <a:font script="Yiii" typeface="Microsoft Yi Baiti"/>
+        <a:font script="Tibt" typeface="Microsoft Himalaya"/>
+        <a:font script="Thaa" typeface="MV Boli"/>
+        <a:font script="Deva" typeface="Mangal"/>
+        <a:font script="Telu" typeface="Gautami"/>
+        <a:font script="Taml" typeface="Latha"/>
+        <a:font script="Syrc" typeface="Estrangelo Edessa"/>
+        <a:font script="Orya" typeface="Kalinga"/>
+        <a:font script="Mlym" typeface="Kartika"/>
+        <a:font script="Laoo" typeface="DokChampa"/>
+        <a:font script="Sinh" typeface="Iskoola Pota"/>
+        <a:font script="Mong" typeface="Mongolian Baiti"/>
+        <a:font script="Viet" typeface="Arial"/>
+        <a:font script="Uigh" typeface="Microsoft Uighur"/>
+        <a:font script="Geor" typeface="Sylfaen"/>
+      </a:minorFont>
+    </a:fontScheme>
+    <a:fmtScheme name="Office">
+      <a:fillStyleLst>
+        <a:solidFill>
+          <a:schemeClr val="phClr"/>
+        </a:solidFill>
+        <a:gradFill rotWithShape="1">
+          <a:gsLst>
+            <a:gs pos="0">
+              <a:schemeClr val="phClr">
+                <a:tint val="50000"/>
+                <a:satMod val="300000"/>
+              </a:schemeClr>
+            </a:gs>
+            <a:gs pos="35000">
+              <a:schemeClr val="phClr">
+                <a:tint val="37000"/>
+                <a:satMod val="300000"/>
+              </a:schemeClr>
+            </a:gs>
+            <a:gs pos="100000">
+              <a:schemeClr val="phClr">
+                <a:tint val="15000"/>
+                <a:satMod val="350000"/>
+              </a:schemeClr>
+            </a:gs>
+          </a:gsLst>
+          <a:lin ang="16200000" scaled="1"/>
+        </a:gradFill>
+        <a:gradFill rotWithShape="1">
+          <a:gsLst>
+            <a:gs pos="0">
+              <a:schemeClr val="phClr">
+                <a:tint val="100000"/>
+                <a:shade val="100000"/>
+                <a:satMod val="130000"/>
+              </a:schemeClr>
+            </a:gs>
+            <a:gs pos="100000">
+              <a:schemeClr val="phClr">
+                <a:tint val="50000"/>
+                <a:shade val="100000"/>
+                <a:satMod val="350000"/>
+              </a:schemeClr>
+            </a:gs>
+          </a:gsLst>
+          <a:lin ang="16200000" scaled="0"/>
+        </a:gradFill>
+      </a:fillStyleLst>
+      <a:lnStyleLst>
+        <a:ln w="9525" cap="flat" cmpd="sng" algn="ctr">
+          <a:solidFill>
+            <a:schemeClr val="phClr">
+              <a:shade val="95000"/>
+              <a:satMod val="105000"/>
+            </a:schemeClr>
+          </a:solidFill>
+          <a:prstDash val="solid"/>
+        </a:ln>
+        <a:ln w="25400" cap="flat" cmpd="sng" algn="ctr">
+          <a:solidFill>
+            <a:schemeClr val="phClr"/>
+          </a:solidFill>
+          <a:prstDash val="solid"/>
+        </a:ln>
+        <a:ln w="38100" cap="flat" cmpd="sng" algn="ctr">
+          <a:solidFill>
+            <a:schemeClr val="phClr"/>
+          </a:solidFill>
+          <a:prstDash val="solid"/>
+        </a:ln>
+      </a:lnStyleLst>
+      <a:effectStyleLst>
+        <a:effectStyle>
+          <a:effectLst>
+            <a:outerShdw blurRad="40000" dist="20000" dir="5400000" rotWithShape="0">
+              <a:srgbClr val="000000">
+                <a:alpha val="38000"/>
+              </a:srgbClr>
+            </a:outerShdw>
+          </a:effectLst>
+        </a:effectStyle>
+        <a:effectStyle>
+          <a:effectLst>
+            <a:outerShdw blurRad="40000" dist="23000" dir="5400000" rotWithShape="0">
+              <a:srgbClr val="000000">
+                <a:alpha val="35000"/>
+              </a:srgbClr>
+            </a:outerShdw>
+          </a:effectLst>
+        </a:effectStyle>
+        <a:effectStyle>
+          <a:effectLst>
+            <a:outerShdw blurRad="40000" dist="23000" dir="5400000" rotWithShape="0">
+              <a:srgbClr val="000000">
+                <a:alpha val="35000"/>
+              </a:srgbClr>
+            </a:outerShdw>
+          </a:effectLst>
+          <a:scene3d>
+            <a:camera prst="orthographicFront">
+              <a:rot lat="0" lon="0" rev="0"/>
+            </a:camera>
+            <a:lightRig rig="threePt" dir="t">
+              <a:rot lat="0" lon="0" rev="1200000"/>
+            </a:lightRig>
+          </a:scene3d>
+          <a:sp3d>
+            <a:bevelT w="63500" h="25400"/>
+          </a:sp3d>
+        </a:effectStyle>
+      </a:effectStyleLst>
+      <a:bgFillStyleLst>
+        <a:solidFill>
+          <a:schemeClr val="phClr"/>
+        </a:solidFill>
+        <a:gradFill rotWithShape="1">
+          <a:gsLst>
+            <a:gs pos="0">
+              <a:schemeClr val="phClr">
+                <a:tint val="40000"/>
+                <a:satMod val="350000"/>
+              </a:schemeClr>
+            </a:gs>
+            <a:gs pos="40000">
+              <a:schemeClr val="phClr">
+                <a:tint val="45000"/>
+                <a:shade val="99000"/>
+                <a:satMod val="350000"/>
+              </a:schemeClr>
+            </a:gs>
+            <a:gs pos="100000">
+              <a:schemeClr val="phClr">
+                <a:shade val="20000"/>
+                <a:satMod val="255000"/>
+              </a:schemeClr>
+            </a:gs>
+          </a:gsLst>
+          <a:path path="circle">
+            <a:fillToRect l="50000" t="-80000" r="50000" b="180000"/>
+          </a:path>
+        </a:gradFill>
+        <a:gradFill rotWithShape="1">
+          <a:gsLst>
+            <a:gs pos="0">
+              <a:schemeClr val="phClr">
+                <a:tint val="80000"/>
+                <a:satMod val="300000"/>
+              </a:schemeClr>
+            </a:gs>
+            <a:gs pos="100000">
+              <a:schemeClr val="phClr">
+                <a:shade val="30000"/>
+                <a:satMod val="200000"/>
+              </a:schemeClr>
+            </a:gs>
+          </a:gsLst>
+          <a:path path="circle">
+            <a:fillToRect l="50000" t="50000" r="50000" b="50000"/>
+          </a:path>
+        </a:gradFill>
+      </a:bgFillStyleLst>
+    </a:fmtScheme>
+  </a:themeElements>
+  <a:objectDefaults>
+    <a:spDef>
+      <a:spPr/>
+      <a:bodyPr/>
+      <a:lstStyle/>
+      <a:style>
+        <a:lnRef idx="1">
+          <a:schemeClr val="accent1"/>
+        </a:lnRef>
+        <a:fillRef idx="3">
+          <a:schemeClr val="accent1"/>
+        </a:fillRef>
+        <a:effectRef idx="2">
+          <a:schemeClr val="accent1"/>
+        </a:effectRef>
+        <a:fontRef idx="minor">
+          <a:schemeClr val="lt1"/>
+        </a:fontRef>
+      </a:style>
+    </a:spDef>
+    <a:lnDef>
+      <a:spPr/>
+      <a:bodyPr/>
+      <a:lstStyle/>
+      <a:style>
+        <a:lnRef idx="2">
+          <a:schemeClr val="accent1"/>
+        </a:lnRef>
+        <a:fillRef idx="0">
+          <a:schemeClr val="accent1"/>
+        </a:fillRef>
+        <a:effectRef idx="1">
+          <a:schemeClr val="accent1"/>
+        </a:effectRef>
+        <a:fontRef idx="minor">
+          <a:schemeClr val="tx1"/>
+        </a:fontRef>
+      </a:style>
+    </a:lnDef>
+  </a:objectDefaults>
+  <a:extraClrSchemeLst/>
+</a:theme>
 </file>
--- a/FE_P4/Techie_0224.pptx
+++ b/FE_P4/Techie_0224.pptx
@@ -523,6 +523,184 @@
           <a:lstStyle/>
           <a:p>
             <a:r>
+              <a:rPr lang="en-US" dirty="0" smtClean="0"/>
+              <a:t>There are a lot of things you can do but the goal is not to maintain 60fps all the</a:t>
+            </a:r>
+            <a:r>
+              <a:rPr lang="en-US" baseline="0" dirty="0" smtClean="0"/>
+              <a:t> time. Here is the list of threshold for common users.</a:t>
+            </a:r>
+          </a:p>
+          <a:p>
+            <a:endParaRPr lang="en-US" dirty="0"/>
+          </a:p>
+        </p:txBody>
+      </p:sp>
+      <p:sp>
+        <p:nvSpPr>
+          <p:cNvPr id="4" name="Slide Number Placeholder 3"/>
+          <p:cNvSpPr>
+            <a:spLocks noGrp="1"/>
+          </p:cNvSpPr>
+          <p:nvPr>
+            <p:ph type="sldNum" sz="quarter" idx="10"/>
+          </p:nvPr>
+        </p:nvSpPr>
+        <p:spPr/>
+        <p:txBody>
+          <a:bodyPr/>
+          <a:lstStyle/>
+          <a:p>
+            <a:fld id="{DB40FAD2-B504-804D-97F4-69BB9EC26929}" type="slidenum">
+              <a:rPr lang="en-US" smtClean="0"/>
+              <a:t>12</a:t>
+            </a:fld>
+            <a:endParaRPr lang="en-US"/>
+          </a:p>
+        </p:txBody>
+      </p:sp>
+    </p:spTree>
+    <p:extLst>
+      <p:ext uri="{BB962C8B-B14F-4D97-AF65-F5344CB8AC3E}">
+        <p14:creationId xmlns:p14="http://schemas.microsoft.com/office/powerpoint/2010/main" val="2824407907"/>
+      </p:ext>
+    </p:extLst>
+  </p:cSld>
+  <p:clrMapOvr>
+    <a:masterClrMapping/>
+  </p:clrMapOvr>
+</p:notes>
+</file>
+
+<file path=ppt/notesSlides/notesSlide2.xml><?xml version="1.0" encoding="utf-8"?>
+<p:notes xmlns:a="http://schemas.openxmlformats.org/drawingml/2006/main" xmlns:r="http://schemas.openxmlformats.org/officeDocument/2006/relationships" xmlns:p="http://schemas.openxmlformats.org/presentationml/2006/main">
+  <p:cSld>
+    <p:spTree>
+      <p:nvGrpSpPr>
+        <p:cNvPr id="1" name=""/>
+        <p:cNvGrpSpPr/>
+        <p:nvPr/>
+      </p:nvGrpSpPr>
+      <p:grpSpPr>
+        <a:xfrm>
+          <a:off x="0" y="0"/>
+          <a:ext cx="0" cy="0"/>
+          <a:chOff x="0" y="0"/>
+          <a:chExt cx="0" cy="0"/>
+        </a:xfrm>
+      </p:grpSpPr>
+      <p:sp>
+        <p:nvSpPr>
+          <p:cNvPr id="2" name="Slide Image Placeholder 1"/>
+          <p:cNvSpPr>
+            <a:spLocks noGrp="1" noRot="1" noChangeAspect="1"/>
+          </p:cNvSpPr>
+          <p:nvPr>
+            <p:ph type="sldImg"/>
+          </p:nvPr>
+        </p:nvSpPr>
+        <p:spPr/>
+      </p:sp>
+      <p:sp>
+        <p:nvSpPr>
+          <p:cNvPr id="3" name="Notes Placeholder 2"/>
+          <p:cNvSpPr>
+            <a:spLocks noGrp="1"/>
+          </p:cNvSpPr>
+          <p:nvPr>
+            <p:ph type="body" idx="1"/>
+          </p:nvPr>
+        </p:nvSpPr>
+        <p:spPr/>
+        <p:txBody>
+          <a:bodyPr/>
+          <a:lstStyle/>
+          <a:p>
+            <a:endParaRPr lang="en-US" dirty="0"/>
+          </a:p>
+        </p:txBody>
+      </p:sp>
+      <p:sp>
+        <p:nvSpPr>
+          <p:cNvPr id="4" name="Slide Number Placeholder 3"/>
+          <p:cNvSpPr>
+            <a:spLocks noGrp="1"/>
+          </p:cNvSpPr>
+          <p:nvPr>
+            <p:ph type="sldNum" sz="quarter" idx="10"/>
+          </p:nvPr>
+        </p:nvSpPr>
+        <p:spPr/>
+        <p:txBody>
+          <a:bodyPr/>
+          <a:lstStyle/>
+          <a:p>
+            <a:fld id="{DB40FAD2-B504-804D-97F4-69BB9EC26929}" type="slidenum">
+              <a:rPr lang="en-US" smtClean="0"/>
+              <a:t>13</a:t>
+            </a:fld>
+            <a:endParaRPr lang="en-US"/>
+          </a:p>
+        </p:txBody>
+      </p:sp>
+    </p:spTree>
+    <p:extLst>
+      <p:ext uri="{BB962C8B-B14F-4D97-AF65-F5344CB8AC3E}">
+        <p14:creationId xmlns:p14="http://schemas.microsoft.com/office/powerpoint/2010/main" val="3362947851"/>
+      </p:ext>
+    </p:extLst>
+  </p:cSld>
+  <p:clrMapOvr>
+    <a:masterClrMapping/>
+  </p:clrMapOvr>
+</p:notes>
+</file>
+
+<file path=ppt/notesSlides/notesSlide3.xml><?xml version="1.0" encoding="utf-8"?>
+<p:notes xmlns:a="http://schemas.openxmlformats.org/drawingml/2006/main" xmlns:r="http://schemas.openxmlformats.org/officeDocument/2006/relationships" xmlns:p="http://schemas.openxmlformats.org/presentationml/2006/main">
+  <p:cSld>
+    <p:spTree>
+      <p:nvGrpSpPr>
+        <p:cNvPr id="1" name=""/>
+        <p:cNvGrpSpPr/>
+        <p:nvPr/>
+      </p:nvGrpSpPr>
+      <p:grpSpPr>
+        <a:xfrm>
+          <a:off x="0" y="0"/>
+          <a:ext cx="0" cy="0"/>
+          <a:chOff x="0" y="0"/>
+          <a:chExt cx="0" cy="0"/>
+        </a:xfrm>
+      </p:grpSpPr>
+      <p:sp>
+        <p:nvSpPr>
+          <p:cNvPr id="2" name="Slide Image Placeholder 1"/>
+          <p:cNvSpPr>
+            <a:spLocks noGrp="1" noRot="1" noChangeAspect="1"/>
+          </p:cNvSpPr>
+          <p:nvPr>
+            <p:ph type="sldImg"/>
+          </p:nvPr>
+        </p:nvSpPr>
+        <p:spPr/>
+      </p:sp>
+      <p:sp>
+        <p:nvSpPr>
+          <p:cNvPr id="3" name="Notes Placeholder 2"/>
+          <p:cNvSpPr>
+            <a:spLocks noGrp="1"/>
+          </p:cNvSpPr>
+          <p:nvPr>
+            <p:ph type="body" idx="1"/>
+          </p:nvPr>
+        </p:nvSpPr>
+        <p:spPr/>
+        <p:txBody>
+          <a:bodyPr/>
+          <a:lstStyle/>
+          <a:p>
+            <a:r>
               <a:rPr lang="en-US" sz="1200" b="1" kern="1200" dirty="0" smtClean="0">
                 <a:solidFill>
                   <a:schemeClr val="tx1"/>
@@ -581,7 +759,31 @@
                 <a:ea typeface="+mn-ea"/>
                 <a:cs typeface="+mn-cs"/>
               </a:rPr>
-              <a:t>As an example, imagine a site that needs to handle UI events, query and process large amounts of API data, and manipulate the DOM. Pretty common, right? Unfortunately all of that can't be simultaneous due to limitations in browsers' JavaScript runtime. Script execution happens within a single thread.</a:t>
+              <a:t>As an example</a:t>
+            </a:r>
+            <a:r>
+              <a:rPr lang="en-US" sz="1200" b="1" kern="1200" dirty="0" smtClean="0">
+                <a:solidFill>
+                  <a:schemeClr val="tx1"/>
+                </a:solidFill>
+                <a:effectLst/>
+                <a:latin typeface="+mn-lt"/>
+                <a:ea typeface="+mn-ea"/>
+                <a:cs typeface="+mn-cs"/>
+              </a:rPr>
+              <a:t>, imagine a site that needs to handle UI events, query and process large amounts of API data, and manipulate the DOM. </a:t>
+            </a:r>
+            <a:r>
+              <a:rPr lang="en-US" sz="1200" kern="1200" dirty="0" smtClean="0">
+                <a:solidFill>
+                  <a:schemeClr val="tx1"/>
+                </a:solidFill>
+                <a:effectLst/>
+                <a:latin typeface="+mn-lt"/>
+                <a:ea typeface="+mn-ea"/>
+                <a:cs typeface="+mn-cs"/>
+              </a:rPr>
+              <a:t>Pretty common, right? Unfortunately all of that can't be simultaneous due to limitations in browsers' JavaScript runtime. Script execution happens within a single thread.</a:t>
             </a:r>
           </a:p>
           <a:p>
@@ -729,42 +931,42 @@
                 <a:ea typeface="+mn-ea"/>
                 <a:cs typeface="+mn-cs"/>
               </a:rPr>
-              <a:t> specification defines an API for spawning background scripts in your web application. Web Workers allow you to do things like fire up long-running scripts to handle computationally intensive tasks, but without blocking the UI or other scripts to handle user interactions. </a:t>
-            </a:r>
-            <a:r>
-              <a:rPr lang="en-US" sz="1200" kern="1200" smtClean="0">
-                <a:solidFill>
-                  <a:schemeClr val="tx1"/>
-                </a:solidFill>
-                <a:effectLst/>
-                <a:latin typeface="+mn-lt"/>
-                <a:ea typeface="+mn-ea"/>
-                <a:cs typeface="+mn-cs"/>
-              </a:rPr>
-              <a:t>They're going to help put and end to that nasty 'unresponsive script' dialog that we've all come to love:</a:t>
-            </a:r>
-          </a:p>
-          <a:p>
-            <a:endParaRPr lang="en-US" smtClean="0"/>
-          </a:p>
-          <a:p>
-            <a:r>
-              <a:rPr lang="en-US" dirty="0" smtClean="0"/>
-              <a:t>Long</a:t>
-            </a:r>
-            <a:r>
-              <a:rPr lang="en-US" baseline="0" dirty="0" smtClean="0"/>
-              <a:t> running code that doesn’t create any </a:t>
-            </a:r>
-            <a:r>
-              <a:rPr lang="en-US" baseline="0" dirty="0" err="1" smtClean="0"/>
+              <a:t> specification defines an API for spawning background scripts in your web application. Web Workers allow you to do things like fire up long-running scripts to handle computationally intensive tasks, but without blocking the UI or other scripts to handle user interactions. They're going to help put and end to that nasty 'unresponsive script' dialog that we've all come to love:</a:t>
+            </a:r>
+          </a:p>
+          <a:p>
+            <a:endParaRPr lang="en-US" dirty="0" smtClean="0"/>
+          </a:p>
+          <a:p>
+            <a:r>
+              <a:rPr lang="en-US" b="1" dirty="0" smtClean="0"/>
+              <a:t>The goal is to stop Long</a:t>
+            </a:r>
+            <a:r>
+              <a:rPr lang="en-US" b="1" baseline="0" dirty="0" smtClean="0"/>
+              <a:t> </a:t>
+            </a:r>
+            <a:r>
+              <a:rPr lang="en-US" b="1" baseline="0" dirty="0" smtClean="0"/>
+              <a:t>running </a:t>
+            </a:r>
+            <a:r>
+              <a:rPr lang="en-US" b="1" baseline="0" dirty="0" smtClean="0"/>
+              <a:t>code from creating </a:t>
+            </a:r>
+            <a:r>
+              <a:rPr lang="en-US" b="1" baseline="0" dirty="0" err="1" smtClean="0"/>
               <a:t>jank</a:t>
             </a:r>
             <a:r>
-              <a:rPr lang="en-US" baseline="0" dirty="0" smtClean="0"/>
-              <a:t> to the main thread</a:t>
-            </a:r>
-            <a:endParaRPr lang="en-US" dirty="0"/>
+              <a:rPr lang="en-US" b="1" baseline="0" dirty="0" smtClean="0"/>
+              <a:t> </a:t>
+            </a:r>
+            <a:r>
+              <a:rPr lang="en-US" b="1" baseline="0" dirty="0" smtClean="0"/>
+              <a:t>to the main thread</a:t>
+            </a:r>
+            <a:endParaRPr lang="en-US" b="1" dirty="0"/>
           </a:p>
         </p:txBody>
       </p:sp>
@@ -3928,27 +4130,214 @@
         <p:spPr/>
         <p:txBody>
           <a:bodyPr>
-            <a:normAutofit fontScale="92500" lnSpcReduction="10000"/>
+            <a:normAutofit fontScale="92500" lnSpcReduction="20000"/>
           </a:bodyPr>
           <a:lstStyle/>
           <a:p>
             <a:r>
               <a:rPr lang="en-US" dirty="0" smtClean="0"/>
-              <a:t>Most devices refresh their screen 60 times per second, 60 frames per second 60 Hz, 60 fps,</a:t>
-            </a:r>
-          </a:p>
-          <a:p>
-            <a:pPr marL="0" indent="0">
-              <a:buNone/>
-            </a:pPr>
-            <a:r>
-              <a:rPr lang="en-US" dirty="0"/>
-              <a:t>	</a:t>
-            </a:r>
-            <a:r>
-              <a:rPr lang="en-US" dirty="0" smtClean="0"/>
-              <a:t>16.67ms/frame, 10ms/frame to avoid browser’s housekeeping work</a:t>
-            </a:r>
+              <a:t>Most devices refresh their screen 60 times per second, 60 frames per second 60 Hz, 60 </a:t>
+            </a:r>
+            <a:r>
+              <a:rPr lang="en-US" dirty="0" smtClean="0"/>
+              <a:t>fps</a:t>
+            </a:r>
+            <a:endParaRPr lang="en-US" dirty="0"/>
+          </a:p>
+          <a:p>
+            <a:pPr lvl="1"/>
+            <a:r>
+              <a:rPr lang="en-US" dirty="0" smtClean="0"/>
+              <a:t>16.67ms</a:t>
+            </a:r>
+            <a:r>
+              <a:rPr lang="en-US" dirty="0" smtClean="0"/>
+              <a:t>/frame, 10ms/frame to avoid browser’s housekeeping </a:t>
+            </a:r>
+            <a:r>
+              <a:rPr lang="en-US" dirty="0" smtClean="0"/>
+              <a:t>work</a:t>
+            </a:r>
+          </a:p>
+          <a:p>
+            <a:pPr lvl="1"/>
+            <a:r>
+              <a:rPr lang="en-US" b="1" spc="100" dirty="0">
+                <a:ln w="18000">
+                  <a:solidFill>
+                    <a:schemeClr val="accent1">
+                      <a:satMod val="200000"/>
+                      <a:tint val="72000"/>
+                    </a:schemeClr>
+                  </a:solidFill>
+                  <a:prstDash val="solid"/>
+                </a:ln>
+                <a:solidFill>
+                  <a:schemeClr val="accent1">
+                    <a:satMod val="280000"/>
+                    <a:tint val="100000"/>
+                    <a:alpha val="5700"/>
+                  </a:schemeClr>
+                </a:solidFill>
+                <a:effectLst>
+                  <a:outerShdw blurRad="25000" dist="20000" dir="16020000" algn="tl">
+                    <a:schemeClr val="accent1">
+                      <a:satMod val="200000"/>
+                      <a:shade val="1000"/>
+                      <a:alpha val="60000"/>
+                    </a:schemeClr>
+                  </a:outerShdw>
+                </a:effectLst>
+              </a:rPr>
+              <a:t>http://</a:t>
+            </a:r>
+            <a:r>
+              <a:rPr lang="en-US" b="1" spc="100" dirty="0" err="1">
+                <a:ln w="18000">
+                  <a:solidFill>
+                    <a:schemeClr val="accent1">
+                      <a:satMod val="200000"/>
+                      <a:tint val="72000"/>
+                    </a:schemeClr>
+                  </a:solidFill>
+                  <a:prstDash val="solid"/>
+                </a:ln>
+                <a:solidFill>
+                  <a:schemeClr val="accent1">
+                    <a:satMod val="280000"/>
+                    <a:tint val="100000"/>
+                    <a:alpha val="5700"/>
+                  </a:schemeClr>
+                </a:solidFill>
+                <a:effectLst>
+                  <a:outerShdw blurRad="25000" dist="20000" dir="16020000" algn="tl">
+                    <a:schemeClr val="accent1">
+                      <a:satMod val="200000"/>
+                      <a:shade val="1000"/>
+                      <a:alpha val="60000"/>
+                    </a:schemeClr>
+                  </a:outerShdw>
+                </a:effectLst>
+              </a:rPr>
+              <a:t>jakearchibald.github.io</a:t>
+            </a:r>
+            <a:r>
+              <a:rPr lang="en-US" b="1" spc="100" dirty="0">
+                <a:ln w="18000">
+                  <a:solidFill>
+                    <a:schemeClr val="accent1">
+                      <a:satMod val="200000"/>
+                      <a:tint val="72000"/>
+                    </a:schemeClr>
+                  </a:solidFill>
+                  <a:prstDash val="solid"/>
+                </a:ln>
+                <a:solidFill>
+                  <a:schemeClr val="accent1">
+                    <a:satMod val="280000"/>
+                    <a:tint val="100000"/>
+                    <a:alpha val="5700"/>
+                  </a:schemeClr>
+                </a:solidFill>
+                <a:effectLst>
+                  <a:outerShdw blurRad="25000" dist="20000" dir="16020000" algn="tl">
+                    <a:schemeClr val="accent1">
+                      <a:satMod val="200000"/>
+                      <a:shade val="1000"/>
+                      <a:alpha val="60000"/>
+                    </a:schemeClr>
+                  </a:outerShdw>
+                </a:effectLst>
+              </a:rPr>
+              <a:t>/</a:t>
+            </a:r>
+            <a:r>
+              <a:rPr lang="en-US" b="1" spc="100" dirty="0" err="1">
+                <a:ln w="18000">
+                  <a:solidFill>
+                    <a:schemeClr val="accent1">
+                      <a:satMod val="200000"/>
+                      <a:tint val="72000"/>
+                    </a:schemeClr>
+                  </a:solidFill>
+                  <a:prstDash val="solid"/>
+                </a:ln>
+                <a:solidFill>
+                  <a:schemeClr val="accent1">
+                    <a:satMod val="280000"/>
+                    <a:tint val="100000"/>
+                    <a:alpha val="5700"/>
+                  </a:schemeClr>
+                </a:solidFill>
+                <a:effectLst>
+                  <a:outerShdw blurRad="25000" dist="20000" dir="16020000" algn="tl">
+                    <a:schemeClr val="accent1">
+                      <a:satMod val="200000"/>
+                      <a:shade val="1000"/>
+                      <a:alpha val="60000"/>
+                    </a:schemeClr>
+                  </a:outerShdw>
+                </a:effectLst>
+              </a:rPr>
+              <a:t>jank</a:t>
+            </a:r>
+            <a:r>
+              <a:rPr lang="en-US" b="1" spc="100" dirty="0">
+                <a:ln w="18000">
+                  <a:solidFill>
+                    <a:schemeClr val="accent1">
+                      <a:satMod val="200000"/>
+                      <a:tint val="72000"/>
+                    </a:schemeClr>
+                  </a:solidFill>
+                  <a:prstDash val="solid"/>
+                </a:ln>
+                <a:solidFill>
+                  <a:schemeClr val="accent1">
+                    <a:satMod val="280000"/>
+                    <a:tint val="100000"/>
+                    <a:alpha val="5700"/>
+                  </a:schemeClr>
+                </a:solidFill>
+                <a:effectLst>
+                  <a:outerShdw blurRad="25000" dist="20000" dir="16020000" algn="tl">
+                    <a:schemeClr val="accent1">
+                      <a:satMod val="200000"/>
+                      <a:shade val="1000"/>
+                      <a:alpha val="60000"/>
+                    </a:schemeClr>
+                  </a:outerShdw>
+                </a:effectLst>
+              </a:rPr>
+              <a:t>-invaders/</a:t>
+            </a:r>
+            <a:endParaRPr lang="en-US" b="1" spc="100" dirty="0" smtClean="0">
+              <a:ln w="18000">
+                <a:solidFill>
+                  <a:schemeClr val="accent1">
+                    <a:satMod val="200000"/>
+                    <a:tint val="72000"/>
+                  </a:schemeClr>
+                </a:solidFill>
+                <a:prstDash val="solid"/>
+              </a:ln>
+              <a:solidFill>
+                <a:schemeClr val="accent1">
+                  <a:satMod val="280000"/>
+                  <a:tint val="100000"/>
+                  <a:alpha val="5700"/>
+                </a:schemeClr>
+              </a:solidFill>
+              <a:effectLst>
+                <a:outerShdw blurRad="25000" dist="20000" dir="16020000" algn="tl">
+                  <a:schemeClr val="accent1">
+                    <a:satMod val="200000"/>
+                    <a:shade val="1000"/>
+                    <a:alpha val="60000"/>
+                  </a:schemeClr>
+                </a:outerShdw>
+              </a:effectLst>
+            </a:endParaRPr>
           </a:p>
           <a:p>
             <a:pPr marL="0" indent="0">
@@ -4554,15 +4943,15 @@
           <a:lstStyle/>
           <a:p>
             <a:r>
-              <a:rPr lang="en-US" dirty="0" smtClean="0"/>
+              <a:rPr lang="en-US" b="1" dirty="0" smtClean="0"/>
               <a:t>Chrome </a:t>
             </a:r>
             <a:r>
-              <a:rPr lang="en-US" dirty="0" err="1" smtClean="0"/>
+              <a:rPr lang="en-US" b="1" dirty="0" err="1" smtClean="0"/>
               <a:t>Dev</a:t>
             </a:r>
             <a:r>
-              <a:rPr lang="en-US" dirty="0" smtClean="0"/>
+              <a:rPr lang="en-US" b="1" dirty="0" smtClean="0"/>
               <a:t> Tool – Timeline</a:t>
             </a:r>
           </a:p>
@@ -4598,10 +4987,10 @@
           </a:p>
           <a:p>
             <a:r>
-              <a:rPr lang="en-US" dirty="0" smtClean="0"/>
+              <a:rPr lang="en-US" b="1" dirty="0" smtClean="0"/>
               <a:t>Measure first, then optimize</a:t>
             </a:r>
-            <a:endParaRPr lang="en-US" dirty="0"/>
+            <a:endParaRPr lang="en-US" b="1" dirty="0"/>
           </a:p>
         </p:txBody>
       </p:sp>
@@ -4711,26 +5100,24 @@
               <a:rPr lang="en-US" dirty="0" smtClean="0"/>
               <a:t> Compiler: </a:t>
             </a:r>
-          </a:p>
-          <a:p>
-            <a:r>
-              <a:rPr lang="en-US" dirty="0" smtClean="0"/>
-              <a:t>The Code you wrote may not be the code </a:t>
-            </a:r>
-            <a:r>
-              <a:rPr lang="en-US" dirty="0" smtClean="0"/>
-              <a:t>runs</a:t>
-            </a:r>
+            <a:endParaRPr lang="en-US" dirty="0" smtClean="0"/>
           </a:p>
           <a:p>
             <a:pPr lvl="1"/>
             <a:r>
               <a:rPr lang="en-US" dirty="0" smtClean="0"/>
-              <a:t>Just </a:t>
-            </a:r>
-            <a:r>
-              <a:rPr lang="en-US" dirty="0" smtClean="0"/>
-              <a:t>In Time compiler (JIT) very complicated engine</a:t>
+              <a:t>The </a:t>
+            </a:r>
+            <a:r>
+              <a:rPr lang="en-US" dirty="0" smtClean="0"/>
+              <a:t>Code you wrote may not be the code runs</a:t>
+            </a:r>
+          </a:p>
+          <a:p>
+            <a:pPr lvl="1"/>
+            <a:r>
+              <a:rPr lang="en-US" dirty="0" smtClean="0"/>
+              <a:t>Just In Time compiler (JIT) very complicated engine</a:t>
             </a:r>
             <a:r>
               <a:rPr lang="en-US" dirty="0"/>
@@ -4738,21 +5125,8 @@
             </a:r>
             <a:r>
               <a:rPr lang="en-US" dirty="0" smtClean="0"/>
-              <a:t>to </a:t>
-            </a:r>
-            <a:r>
-              <a:rPr lang="en-US" dirty="0" smtClean="0"/>
-              <a:t>make </a:t>
-            </a:r>
-            <a:r>
-              <a:rPr lang="en-US" dirty="0" smtClean="0"/>
-              <a:t>the code run </a:t>
-            </a:r>
-            <a:r>
-              <a:rPr lang="en-US" dirty="0" smtClean="0"/>
-              <a:t>fast</a:t>
-            </a:r>
-            <a:endParaRPr lang="en-US" dirty="0" smtClean="0"/>
+              <a:t>to make the code run fast</a:t>
+            </a:r>
           </a:p>
           <a:p>
             <a:pPr lvl="1"/>
@@ -5013,11 +5387,7 @@
           <a:p>
             <a:r>
               <a:rPr lang="en-US" sz="2400" dirty="0" smtClean="0"/>
-              <a:t>Two </a:t>
-            </a:r>
-            <a:r>
-              <a:rPr lang="en-US" sz="2400" dirty="0" smtClean="0"/>
-              <a:t>types: Dedicated Workers and Shared Workers</a:t>
+              <a:t>Two types: Dedicated Workers and Shared Workers</a:t>
             </a:r>
           </a:p>
           <a:p>
@@ -5039,7 +5409,7 @@
         </p:nvSpPr>
         <p:spPr>
           <a:xfrm>
-            <a:off x="457200" y="6125093"/>
+            <a:off x="558219" y="1230868"/>
             <a:ext cx="8229600" cy="369332"/>
           </a:xfrm>
           <a:prstGeom prst="rect">
@@ -5108,6 +5478,47 @@
           </a:prstGeom>
         </p:spPr>
       </p:pic>
+      <p:sp>
+        <p:nvSpPr>
+          <p:cNvPr id="6" name="Rectangle 5"/>
+          <p:cNvSpPr/>
+          <p:nvPr/>
+        </p:nvSpPr>
+        <p:spPr>
+          <a:xfrm>
+            <a:off x="558218" y="6126163"/>
+            <a:ext cx="7465555" cy="369332"/>
+          </a:xfrm>
+          <a:prstGeom prst="rect">
+            <a:avLst/>
+          </a:prstGeom>
+          <a:solidFill>
+            <a:schemeClr val="accent3">
+              <a:lumMod val="75000"/>
+            </a:schemeClr>
+          </a:solidFill>
+        </p:spPr>
+        <p:txBody>
+          <a:bodyPr wrap="square">
+            <a:spAutoFit/>
+          </a:bodyPr>
+          <a:lstStyle/>
+          <a:p>
+            <a:r>
+              <a:rPr lang="en-US" dirty="0"/>
+              <a:t>http://</a:t>
+            </a:r>
+            <a:r>
+              <a:rPr lang="en-US" dirty="0" err="1"/>
+              <a:t>canaantt.github.io</a:t>
+            </a:r>
+            <a:r>
+              <a:rPr lang="en-US" dirty="0"/>
+              <a:t>/web-workers-demo-master/</a:t>
+            </a:r>
+          </a:p>
+        </p:txBody>
+      </p:sp>
     </p:spTree>
     <p:extLst>
       <p:ext uri="{BB962C8B-B14F-4D97-AF65-F5344CB8AC3E}">
@@ -5734,7 +6145,7 @@
         <p:spPr>
           <a:xfrm>
             <a:off x="1920240" y="1757680"/>
-            <a:ext cx="4484371" cy="2031325"/>
+            <a:ext cx="4801314" cy="2031325"/>
           </a:xfrm>
           <a:prstGeom prst="rect">
             <a:avLst/>
@@ -5747,36 +6158,60 @@
           </a:bodyPr>
           <a:lstStyle/>
           <a:p>
+            <a:pPr marL="342900" indent="-342900">
+              <a:buFont typeface="+mj-lt"/>
+              <a:buAutoNum type="arabicPeriod"/>
+            </a:pPr>
             <a:r>
               <a:rPr lang="en-US" dirty="0" smtClean="0"/>
               <a:t>Begin constructing the DOM by parsing HTML</a:t>
             </a:r>
           </a:p>
           <a:p>
+            <a:pPr marL="342900" indent="-342900">
+              <a:buFont typeface="+mj-lt"/>
+              <a:buAutoNum type="arabicPeriod"/>
+            </a:pPr>
             <a:r>
               <a:rPr lang="en-US" dirty="0" smtClean="0"/>
               <a:t>Request CSS &amp; JS resources</a:t>
             </a:r>
           </a:p>
           <a:p>
+            <a:pPr marL="342900" indent="-342900">
+              <a:buFont typeface="+mj-lt"/>
+              <a:buAutoNum type="arabicPeriod"/>
+            </a:pPr>
             <a:r>
               <a:rPr lang="en-US" dirty="0" smtClean="0"/>
               <a:t>Parse CSS and construct the CSSOM tree</a:t>
             </a:r>
           </a:p>
           <a:p>
+            <a:pPr marL="342900" indent="-342900">
+              <a:buFont typeface="+mj-lt"/>
+              <a:buAutoNum type="arabicPeriod"/>
+            </a:pPr>
             <a:r>
               <a:rPr lang="en-US" dirty="0" smtClean="0"/>
               <a:t>Execute JS</a:t>
             </a:r>
           </a:p>
           <a:p>
+            <a:pPr marL="342900" indent="-342900">
+              <a:buFont typeface="+mj-lt"/>
+              <a:buAutoNum type="arabicPeriod"/>
+            </a:pPr>
             <a:r>
               <a:rPr lang="en-US" dirty="0" smtClean="0"/>
               <a:t>Merge DOM and CSSOM into the Render Tree</a:t>
             </a:r>
           </a:p>
           <a:p>
+            <a:pPr marL="342900" indent="-342900">
+              <a:buFont typeface="+mj-lt"/>
+              <a:buAutoNum type="arabicPeriod"/>
+            </a:pPr>
             <a:r>
               <a:rPr lang="en-US" dirty="0" smtClean="0"/>
               <a:t>Run Layout, paint</a:t>
@@ -6173,15 +6608,15 @@
           </a:p>
           <a:p>
             <a:r>
-              <a:rPr lang="en-US" sz="2800" dirty="0" smtClean="0"/>
+              <a:rPr lang="en-US" sz="2800" b="1" dirty="0" smtClean="0"/>
               <a:t>Parser blocking if it modifies the DOM because it blocks, DOM construction when we encounter the script tag, especially the </a:t>
             </a:r>
             <a:r>
-              <a:rPr lang="en-US" sz="2800" dirty="0" err="1" smtClean="0"/>
+              <a:rPr lang="en-US" sz="2800" b="1" dirty="0" err="1" smtClean="0"/>
               <a:t>js</a:t>
             </a:r>
             <a:r>
-              <a:rPr lang="en-US" sz="2800" dirty="0" smtClean="0"/>
+              <a:rPr lang="en-US" sz="2800" b="1" dirty="0" smtClean="0"/>
               <a:t> is an external file</a:t>
             </a:r>
           </a:p>
@@ -6365,12 +6800,12 @@
           </a:p>
           <a:p>
             <a:r>
-              <a:rPr lang="en-US" dirty="0" err="1" smtClean="0"/>
-              <a:t>Mimize</a:t>
-            </a:r>
-            <a:r>
-              <a:rPr lang="en-US" dirty="0" smtClean="0"/>
-              <a:t> use of render blocking resource(CSS)</a:t>
+              <a:rPr lang="en-US" dirty="0" smtClean="0"/>
+              <a:t>Minimize </a:t>
+            </a:r>
+            <a:r>
+              <a:rPr lang="en-US" dirty="0" smtClean="0"/>
+              <a:t>use of render blocking resource(CSS)</a:t>
             </a:r>
           </a:p>
           <a:p>

--- a/FE_P4/Techie_0224.pptx
+++ b/FE_P4/Techie_0224.pptx
@@ -944,15 +944,7 @@
             </a:r>
             <a:r>
               <a:rPr lang="en-US" b="1" baseline="0" dirty="0" smtClean="0"/>
-              <a:t> </a:t>
-            </a:r>
-            <a:r>
-              <a:rPr lang="en-US" b="1" baseline="0" dirty="0" smtClean="0"/>
-              <a:t>running </a:t>
-            </a:r>
-            <a:r>
-              <a:rPr lang="en-US" b="1" baseline="0" dirty="0" smtClean="0"/>
-              <a:t>code from creating </a:t>
+              <a:t> running code from creating </a:t>
             </a:r>
             <a:r>
               <a:rPr lang="en-US" b="1" baseline="0" dirty="0" err="1" smtClean="0"/>
@@ -960,11 +952,7 @@
             </a:r>
             <a:r>
               <a:rPr lang="en-US" b="1" baseline="0" dirty="0" smtClean="0"/>
-              <a:t> </a:t>
-            </a:r>
-            <a:r>
-              <a:rPr lang="en-US" b="1" baseline="0" dirty="0" smtClean="0"/>
-              <a:t>to the main thread</a:t>
+              <a:t> to the main thread</a:t>
             </a:r>
             <a:endParaRPr lang="en-US" b="1" dirty="0"/>
           </a:p>
@@ -4034,11 +4022,15 @@
           <a:p>
             <a:r>
               <a:rPr lang="en-US" dirty="0" smtClean="0"/>
-              <a:t>Material is from </a:t>
+              <a:t>Materials are </a:t>
+            </a:r>
+            <a:r>
+              <a:rPr lang="en-US" dirty="0" smtClean="0"/>
+              <a:t>from </a:t>
             </a:r>
             <a:r>
               <a:rPr lang="en-US" dirty="0" err="1" smtClean="0"/>
-              <a:t>Udacity</a:t>
+              <a:t>Udacity.com</a:t>
             </a:r>
             <a:endParaRPr lang="en-US" dirty="0"/>
           </a:p>
@@ -4136,11 +4128,7 @@
           <a:p>
             <a:r>
               <a:rPr lang="en-US" dirty="0" smtClean="0"/>
-              <a:t>Most devices refresh their screen 60 times per second, 60 frames per second 60 Hz, 60 </a:t>
-            </a:r>
-            <a:r>
-              <a:rPr lang="en-US" dirty="0" smtClean="0"/>
-              <a:t>fps</a:t>
+              <a:t>Most devices refresh their screen 60 times per second, 60 frames per second 60 Hz, 60 fps</a:t>
             </a:r>
             <a:endParaRPr lang="en-US" dirty="0"/>
           </a:p>
@@ -4148,15 +4136,7 @@
             <a:pPr lvl="1"/>
             <a:r>
               <a:rPr lang="en-US" dirty="0" smtClean="0"/>
-              <a:t>16.67ms</a:t>
-            </a:r>
-            <a:r>
-              <a:rPr lang="en-US" dirty="0" smtClean="0"/>
-              <a:t>/frame, 10ms/frame to avoid browser’s housekeeping </a:t>
-            </a:r>
-            <a:r>
-              <a:rPr lang="en-US" dirty="0" smtClean="0"/>
-              <a:t>work</a:t>
+              <a:t>16.67ms/frame, 10ms/frame to avoid browser’s housekeeping work</a:t>
             </a:r>
           </a:p>
           <a:p>
@@ -5100,17 +5080,12 @@
               <a:rPr lang="en-US" dirty="0" smtClean="0"/>
               <a:t> Compiler: </a:t>
             </a:r>
-            <a:endParaRPr lang="en-US" dirty="0" smtClean="0"/>
           </a:p>
           <a:p>
             <a:pPr lvl="1"/>
             <a:r>
               <a:rPr lang="en-US" dirty="0" smtClean="0"/>
-              <a:t>The </a:t>
-            </a:r>
-            <a:r>
-              <a:rPr lang="en-US" dirty="0" smtClean="0"/>
-              <a:t>Code you wrote may not be the code runs</a:t>
+              <a:t>The Code you wrote may not be the code runs</a:t>
             </a:r>
           </a:p>
           <a:p>
@@ -5623,6 +5598,13 @@
   <p:clrMapOvr>
     <a:masterClrMapping/>
   </p:clrMapOvr>
+  <p:timing>
+    <p:tnLst>
+      <p:par>
+        <p:cTn xmlns:p14="http://schemas.microsoft.com/office/powerpoint/2010/main" id="1" dur="indefinite" restart="never" nodeType="tmRoot"/>
+      </p:par>
+    </p:tnLst>
+  </p:timing>
 </p:sld>
 </file>
 
@@ -5721,6 +5703,13 @@
   <p:clrMapOvr>
     <a:masterClrMapping/>
   </p:clrMapOvr>
+  <p:timing>
+    <p:tnLst>
+      <p:par>
+        <p:cTn xmlns:p14="http://schemas.microsoft.com/office/powerpoint/2010/main" id="1" dur="indefinite" restart="never" nodeType="tmRoot"/>
+      </p:par>
+    </p:tnLst>
+  </p:timing>
 </p:sld>
 </file>
 
@@ -5793,6 +5782,13 @@
   <p:clrMapOvr>
     <a:masterClrMapping/>
   </p:clrMapOvr>
+  <p:timing>
+    <p:tnLst>
+      <p:par>
+        <p:cTn xmlns:p14="http://schemas.microsoft.com/office/powerpoint/2010/main" id="1" dur="indefinite" restart="never" nodeType="tmRoot"/>
+      </p:par>
+    </p:tnLst>
+  </p:timing>
 </p:sld>
 </file>
 
@@ -6801,11 +6797,7 @@
           <a:p>
             <a:r>
               <a:rPr lang="en-US" dirty="0" smtClean="0"/>
-              <a:t>Minimize </a:t>
-            </a:r>
-            <a:r>
-              <a:rPr lang="en-US" dirty="0" smtClean="0"/>
-              <a:t>use of render blocking resource(CSS)</a:t>
+              <a:t>Minimize use of render blocking resource(CSS)</a:t>
             </a:r>
           </a:p>
           <a:p>
